--- a/Avaliação de testes.pptx
+++ b/Avaliação de testes.pptx
@@ -115,7 +115,7 @@
   </p:defaultTextStyle>
   <p:extLst>
     <p:ext uri="{EFAFB233-063F-42B5-8137-9DF3F51BA10A}">
-      <p15:sldGuideLst xmlns:p15="http://schemas.microsoft.com/office/powerpoint/2012/main" xmlns="">
+      <p15:sldGuideLst xmlns="" xmlns:p15="http://schemas.microsoft.com/office/powerpoint/2012/main">
         <p15:guide id="1" orient="horz" pos="2160">
           <p15:clr>
             <a:srgbClr val="A4A3A4"/>
@@ -314,7 +314,7 @@
             <a:fld id="{F4448136-D4BD-40DD-93D0-3AD44E3A349C}" type="datetimeFigureOut">
               <a:rPr lang="pt-BR" smtClean="0"/>
               <a:pPr/>
-              <a:t>16/11/2014</a:t>
+              <a:t>17/11/2014</a:t>
             </a:fld>
             <a:endParaRPr lang="pt-BR"/>
           </a:p>
@@ -357,7 +357,7 @@
             <a:fld id="{CB49BECD-ADCE-4BA6-928B-AFA5749442EB}" type="slidenum">
               <a:rPr lang="pt-BR" smtClean="0"/>
               <a:pPr/>
-              <a:t>‹#›</a:t>
+              <a:t>‹nº›</a:t>
             </a:fld>
             <a:endParaRPr lang="pt-BR"/>
           </a:p>
@@ -481,7 +481,7 @@
             <a:fld id="{F4448136-D4BD-40DD-93D0-3AD44E3A349C}" type="datetimeFigureOut">
               <a:rPr lang="pt-BR" smtClean="0"/>
               <a:pPr/>
-              <a:t>16/11/2014</a:t>
+              <a:t>17/11/2014</a:t>
             </a:fld>
             <a:endParaRPr lang="pt-BR"/>
           </a:p>
@@ -524,7 +524,7 @@
             <a:fld id="{CB49BECD-ADCE-4BA6-928B-AFA5749442EB}" type="slidenum">
               <a:rPr lang="pt-BR" smtClean="0"/>
               <a:pPr/>
-              <a:t>‹#›</a:t>
+              <a:t>‹nº›</a:t>
             </a:fld>
             <a:endParaRPr lang="pt-BR"/>
           </a:p>
@@ -658,7 +658,7 @@
             <a:fld id="{F4448136-D4BD-40DD-93D0-3AD44E3A349C}" type="datetimeFigureOut">
               <a:rPr lang="pt-BR" smtClean="0"/>
               <a:pPr/>
-              <a:t>16/11/2014</a:t>
+              <a:t>17/11/2014</a:t>
             </a:fld>
             <a:endParaRPr lang="pt-BR"/>
           </a:p>
@@ -701,7 +701,7 @@
             <a:fld id="{CB49BECD-ADCE-4BA6-928B-AFA5749442EB}" type="slidenum">
               <a:rPr lang="pt-BR" smtClean="0"/>
               <a:pPr/>
-              <a:t>‹#›</a:t>
+              <a:t>‹nº›</a:t>
             </a:fld>
             <a:endParaRPr lang="pt-BR"/>
           </a:p>
@@ -825,7 +825,7 @@
             <a:fld id="{F4448136-D4BD-40DD-93D0-3AD44E3A349C}" type="datetimeFigureOut">
               <a:rPr lang="pt-BR" smtClean="0"/>
               <a:pPr/>
-              <a:t>16/11/2014</a:t>
+              <a:t>17/11/2014</a:t>
             </a:fld>
             <a:endParaRPr lang="pt-BR"/>
           </a:p>
@@ -868,7 +868,7 @@
             <a:fld id="{CB49BECD-ADCE-4BA6-928B-AFA5749442EB}" type="slidenum">
               <a:rPr lang="pt-BR" smtClean="0"/>
               <a:pPr/>
-              <a:t>‹#›</a:t>
+              <a:t>‹nº›</a:t>
             </a:fld>
             <a:endParaRPr lang="pt-BR"/>
           </a:p>
@@ -1068,7 +1068,7 @@
             <a:fld id="{F4448136-D4BD-40DD-93D0-3AD44E3A349C}" type="datetimeFigureOut">
               <a:rPr lang="pt-BR" smtClean="0"/>
               <a:pPr/>
-              <a:t>16/11/2014</a:t>
+              <a:t>17/11/2014</a:t>
             </a:fld>
             <a:endParaRPr lang="pt-BR"/>
           </a:p>
@@ -1111,7 +1111,7 @@
             <a:fld id="{CB49BECD-ADCE-4BA6-928B-AFA5749442EB}" type="slidenum">
               <a:rPr lang="pt-BR" smtClean="0"/>
               <a:pPr/>
-              <a:t>‹#›</a:t>
+              <a:t>‹nº›</a:t>
             </a:fld>
             <a:endParaRPr lang="pt-BR"/>
           </a:p>
@@ -1353,7 +1353,7 @@
             <a:fld id="{F4448136-D4BD-40DD-93D0-3AD44E3A349C}" type="datetimeFigureOut">
               <a:rPr lang="pt-BR" smtClean="0"/>
               <a:pPr/>
-              <a:t>16/11/2014</a:t>
+              <a:t>17/11/2014</a:t>
             </a:fld>
             <a:endParaRPr lang="pt-BR"/>
           </a:p>
@@ -1396,7 +1396,7 @@
             <a:fld id="{CB49BECD-ADCE-4BA6-928B-AFA5749442EB}" type="slidenum">
               <a:rPr lang="pt-BR" smtClean="0"/>
               <a:pPr/>
-              <a:t>‹#›</a:t>
+              <a:t>‹nº›</a:t>
             </a:fld>
             <a:endParaRPr lang="pt-BR"/>
           </a:p>
@@ -1772,7 +1772,7 @@
             <a:fld id="{F4448136-D4BD-40DD-93D0-3AD44E3A349C}" type="datetimeFigureOut">
               <a:rPr lang="pt-BR" smtClean="0"/>
               <a:pPr/>
-              <a:t>16/11/2014</a:t>
+              <a:t>17/11/2014</a:t>
             </a:fld>
             <a:endParaRPr lang="pt-BR"/>
           </a:p>
@@ -1815,7 +1815,7 @@
             <a:fld id="{CB49BECD-ADCE-4BA6-928B-AFA5749442EB}" type="slidenum">
               <a:rPr lang="pt-BR" smtClean="0"/>
               <a:pPr/>
-              <a:t>‹#›</a:t>
+              <a:t>‹nº›</a:t>
             </a:fld>
             <a:endParaRPr lang="pt-BR"/>
           </a:p>
@@ -1887,7 +1887,7 @@
             <a:fld id="{F4448136-D4BD-40DD-93D0-3AD44E3A349C}" type="datetimeFigureOut">
               <a:rPr lang="pt-BR" smtClean="0"/>
               <a:pPr/>
-              <a:t>16/11/2014</a:t>
+              <a:t>17/11/2014</a:t>
             </a:fld>
             <a:endParaRPr lang="pt-BR"/>
           </a:p>
@@ -1930,7 +1930,7 @@
             <a:fld id="{CB49BECD-ADCE-4BA6-928B-AFA5749442EB}" type="slidenum">
               <a:rPr lang="pt-BR" smtClean="0"/>
               <a:pPr/>
-              <a:t>‹#›</a:t>
+              <a:t>‹nº›</a:t>
             </a:fld>
             <a:endParaRPr lang="pt-BR"/>
           </a:p>
@@ -1979,7 +1979,7 @@
             <a:fld id="{F4448136-D4BD-40DD-93D0-3AD44E3A349C}" type="datetimeFigureOut">
               <a:rPr lang="pt-BR" smtClean="0"/>
               <a:pPr/>
-              <a:t>16/11/2014</a:t>
+              <a:t>17/11/2014</a:t>
             </a:fld>
             <a:endParaRPr lang="pt-BR"/>
           </a:p>
@@ -2022,7 +2022,7 @@
             <a:fld id="{CB49BECD-ADCE-4BA6-928B-AFA5749442EB}" type="slidenum">
               <a:rPr lang="pt-BR" smtClean="0"/>
               <a:pPr/>
-              <a:t>‹#›</a:t>
+              <a:t>‹nº›</a:t>
             </a:fld>
             <a:endParaRPr lang="pt-BR"/>
           </a:p>
@@ -2253,7 +2253,7 @@
             <a:fld id="{F4448136-D4BD-40DD-93D0-3AD44E3A349C}" type="datetimeFigureOut">
               <a:rPr lang="pt-BR" smtClean="0"/>
               <a:pPr/>
-              <a:t>16/11/2014</a:t>
+              <a:t>17/11/2014</a:t>
             </a:fld>
             <a:endParaRPr lang="pt-BR"/>
           </a:p>
@@ -2296,7 +2296,7 @@
             <a:fld id="{CB49BECD-ADCE-4BA6-928B-AFA5749442EB}" type="slidenum">
               <a:rPr lang="pt-BR" smtClean="0"/>
               <a:pPr/>
-              <a:t>‹#›</a:t>
+              <a:t>‹nº›</a:t>
             </a:fld>
             <a:endParaRPr lang="pt-BR"/>
           </a:p>
@@ -2503,7 +2503,7 @@
             <a:fld id="{F4448136-D4BD-40DD-93D0-3AD44E3A349C}" type="datetimeFigureOut">
               <a:rPr lang="pt-BR" smtClean="0"/>
               <a:pPr/>
-              <a:t>16/11/2014</a:t>
+              <a:t>17/11/2014</a:t>
             </a:fld>
             <a:endParaRPr lang="pt-BR"/>
           </a:p>
@@ -2546,7 +2546,7 @@
             <a:fld id="{CB49BECD-ADCE-4BA6-928B-AFA5749442EB}" type="slidenum">
               <a:rPr lang="pt-BR" smtClean="0"/>
               <a:pPr/>
-              <a:t>‹#›</a:t>
+              <a:t>‹nº›</a:t>
             </a:fld>
             <a:endParaRPr lang="pt-BR"/>
           </a:p>
@@ -2713,7 +2713,7 @@
             <a:fld id="{F4448136-D4BD-40DD-93D0-3AD44E3A349C}" type="datetimeFigureOut">
               <a:rPr lang="pt-BR" smtClean="0"/>
               <a:pPr/>
-              <a:t>16/11/2014</a:t>
+              <a:t>17/11/2014</a:t>
             </a:fld>
             <a:endParaRPr lang="pt-BR"/>
           </a:p>
@@ -2792,7 +2792,7 @@
             <a:fld id="{CB49BECD-ADCE-4BA6-928B-AFA5749442EB}" type="slidenum">
               <a:rPr lang="pt-BR" smtClean="0"/>
               <a:pPr/>
-              <a:t>‹#›</a:t>
+              <a:t>‹nº›</a:t>
             </a:fld>
             <a:endParaRPr lang="pt-BR"/>
           </a:p>
@@ -3093,7 +3093,7 @@
           <p:nvPr/>
         </p:nvPicPr>
         <p:blipFill>
-          <a:blip r:embed="rId2"/>
+          <a:blip r:embed="rId2" cstate="print"/>
           <a:stretch>
             <a:fillRect/>
           </a:stretch>
@@ -3210,7 +3210,7 @@
           <p:nvPr/>
         </p:nvPicPr>
         <p:blipFill>
-          <a:blip r:embed="rId2"/>
+          <a:blip r:embed="rId2" cstate="print"/>
           <a:stretch>
             <a:fillRect/>
           </a:stretch>
@@ -3268,7 +3268,7 @@
           </p:nvPr>
         </p:nvPicPr>
         <p:blipFill>
-          <a:blip r:embed="rId2"/>
+          <a:blip r:embed="rId2" cstate="print"/>
           <a:stretch>
             <a:fillRect/>
           </a:stretch>
@@ -3413,7 +3413,7 @@
           </p:nvPr>
         </p:nvPicPr>
         <p:blipFill>
-          <a:blip r:embed="rId2"/>
+          <a:blip r:embed="rId2" cstate="print"/>
           <a:stretch>
             <a:fillRect/>
           </a:stretch>
@@ -3509,13 +3509,8 @@
             </a:pPr>
             <a:r>
               <a:rPr lang="pt-BR" dirty="0" smtClean="0"/>
-              <a:t>Módulo 1: </a:t>
-            </a:r>
-            <a:r>
-              <a:rPr lang="pt-BR" dirty="0" smtClean="0"/>
-              <a:t>Cadastrar</a:t>
-            </a:r>
-            <a:endParaRPr lang="pt-BR" dirty="0" smtClean="0"/>
+              <a:t>Módulo 1: Cadastrar</a:t>
+            </a:r>
           </a:p>
           <a:p>
             <a:pPr marL="742950" lvl="1" indent="-285750">
@@ -3524,13 +3519,8 @@
             </a:pPr>
             <a:r>
               <a:rPr lang="pt-BR" dirty="0" smtClean="0"/>
-              <a:t>Módulo 2:  </a:t>
-            </a:r>
-            <a:r>
-              <a:rPr lang="pt-BR" dirty="0" smtClean="0"/>
-              <a:t>Alterar</a:t>
-            </a:r>
-            <a:endParaRPr lang="pt-BR" dirty="0" smtClean="0"/>
+              <a:t>Módulo 2:  Alterar</a:t>
+            </a:r>
           </a:p>
           <a:p>
             <a:pPr marL="742950" lvl="1" indent="-285750">
@@ -3539,13 +3529,8 @@
             </a:pPr>
             <a:r>
               <a:rPr lang="pt-BR" dirty="0" smtClean="0"/>
-              <a:t>Módulo 3 : </a:t>
-            </a:r>
-            <a:r>
-              <a:rPr lang="pt-BR" dirty="0" smtClean="0"/>
-              <a:t>Excluir</a:t>
-            </a:r>
-            <a:endParaRPr lang="pt-BR" dirty="0" smtClean="0"/>
+              <a:t>Módulo 3 : Excluir</a:t>
+            </a:r>
           </a:p>
           <a:p>
             <a:pPr marL="742950" lvl="1" indent="-285750">
@@ -3554,11 +3539,7 @@
             </a:pPr>
             <a:r>
               <a:rPr lang="pt-BR" dirty="0" smtClean="0"/>
-              <a:t>Módulo 4: </a:t>
-            </a:r>
-            <a:r>
-              <a:rPr lang="pt-BR" dirty="0" smtClean="0"/>
-              <a:t>Buscar</a:t>
+              <a:t>Módulo 4: Buscar</a:t>
             </a:r>
             <a:endParaRPr lang="pt-BR" dirty="0"/>
           </a:p>
@@ -3607,7 +3588,7 @@
           </p:nvPr>
         </p:nvPicPr>
         <p:blipFill>
-          <a:blip r:embed="rId2"/>
+          <a:blip r:embed="rId2" cstate="print"/>
           <a:stretch>
             <a:fillRect/>
           </a:stretch>
@@ -3667,7 +3648,7 @@
         <p:spPr>
           <a:xfrm>
             <a:off x="1115616" y="1857364"/>
-            <a:ext cx="6929486" cy="3693319"/>
+            <a:ext cx="6929486" cy="2308324"/>
           </a:xfrm>
           <a:prstGeom prst="rect">
             <a:avLst/>
@@ -3707,7 +3688,14 @@
               <a:buFont typeface="+mj-lt"/>
               <a:buAutoNum type="arabicPeriod"/>
             </a:pPr>
-            <a:endParaRPr lang="pt-BR" dirty="0" smtClean="0"/>
+            <a:r>
+              <a:rPr lang="pt-BR" dirty="0" smtClean="0"/>
+              <a:t>Teste </a:t>
+            </a:r>
+            <a:r>
+              <a:rPr lang="pt-BR" dirty="0" smtClean="0"/>
+              <a:t>Funcional</a:t>
+            </a:r>
           </a:p>
           <a:p>
             <a:pPr marL="342900" indent="-342900">
@@ -3716,7 +3704,11 @@
             </a:pPr>
             <a:r>
               <a:rPr lang="pt-BR" dirty="0" smtClean="0"/>
-              <a:t>Teste Funcional</a:t>
+              <a:t>Teste </a:t>
+            </a:r>
+            <a:r>
+              <a:rPr lang="pt-BR" dirty="0" smtClean="0"/>
+              <a:t>da Interface do Usuário</a:t>
             </a:r>
           </a:p>
           <a:p>
@@ -3724,7 +3716,14 @@
               <a:buFont typeface="+mj-lt"/>
               <a:buAutoNum type="arabicPeriod"/>
             </a:pPr>
-            <a:endParaRPr lang="pt-BR" dirty="0" smtClean="0"/>
+            <a:r>
+              <a:rPr lang="pt-BR" dirty="0" smtClean="0"/>
+              <a:t>Teste </a:t>
+            </a:r>
+            <a:r>
+              <a:rPr lang="pt-BR" dirty="0" smtClean="0"/>
+              <a:t>de Performance</a:t>
+            </a:r>
           </a:p>
           <a:p>
             <a:pPr marL="342900" indent="-342900">
@@ -3733,7 +3732,11 @@
             </a:pPr>
             <a:r>
               <a:rPr lang="pt-BR" dirty="0" smtClean="0"/>
-              <a:t>Teste da Interface do Usuário</a:t>
+              <a:t>Teste </a:t>
+            </a:r>
+            <a:r>
+              <a:rPr lang="pt-BR" dirty="0" smtClean="0"/>
+              <a:t>de instalação</a:t>
             </a:r>
           </a:p>
           <a:p>
@@ -3741,64 +3744,21 @@
               <a:buFont typeface="+mj-lt"/>
               <a:buAutoNum type="arabicPeriod"/>
             </a:pPr>
-            <a:endParaRPr lang="pt-BR" dirty="0" smtClean="0"/>
-          </a:p>
-          <a:p>
-            <a:pPr marL="342900" indent="-342900">
-              <a:buFont typeface="+mj-lt"/>
-              <a:buAutoNum type="arabicPeriod"/>
-            </a:pPr>
             <a:r>
               <a:rPr lang="pt-BR" dirty="0" smtClean="0"/>
-              <a:t>Teste de Performance</a:t>
-            </a:r>
-          </a:p>
-          <a:p>
-            <a:pPr marL="342900" indent="-342900">
-              <a:buFont typeface="+mj-lt"/>
-              <a:buAutoNum type="arabicPeriod"/>
-            </a:pPr>
-            <a:endParaRPr lang="pt-BR" dirty="0" smtClean="0"/>
-          </a:p>
-          <a:p>
-            <a:pPr marL="342900" indent="-342900">
-              <a:buFont typeface="+mj-lt"/>
-              <a:buAutoNum type="arabicPeriod"/>
-            </a:pPr>
+              <a:t>Teste </a:t>
+            </a:r>
             <a:r>
               <a:rPr lang="pt-BR" dirty="0" smtClean="0"/>
-              <a:t>Teste de instalação</a:t>
-            </a:r>
-            <a:endParaRPr lang="pt-BR" dirty="0" smtClean="0"/>
-          </a:p>
-          <a:p>
-            <a:pPr marL="342900" indent="-342900">
-              <a:buFont typeface="+mj-lt"/>
-              <a:buAutoNum type="arabicPeriod"/>
-            </a:pPr>
-            <a:endParaRPr lang="pt-BR" dirty="0" smtClean="0"/>
-          </a:p>
-          <a:p>
-            <a:pPr marL="342900" indent="-342900">
-              <a:buFont typeface="+mj-lt"/>
-              <a:buAutoNum type="arabicPeriod"/>
-            </a:pPr>
-            <a:r>
-              <a:rPr lang="pt-BR" dirty="0" smtClean="0"/>
-              <a:t>Teste de </a:t>
-            </a:r>
-            <a:r>
-              <a:rPr lang="pt-BR" dirty="0" smtClean="0"/>
-              <a:t>configuração</a:t>
-            </a:r>
-            <a:endParaRPr lang="pt-BR" dirty="0" smtClean="0"/>
+              <a:t>de configuração</a:t>
+            </a:r>
           </a:p>
         </p:txBody>
       </p:sp>
     </p:spTree>
     <p:extLst>
       <p:ext uri="{BB962C8B-B14F-4D97-AF65-F5344CB8AC3E}">
-        <p14:creationId xmlns:p14="http://schemas.microsoft.com/office/powerpoint/2010/main" val="2159869430"/>
+        <p14:creationId xmlns:p14="http://schemas.microsoft.com/office/powerpoint/2010/main" xmlns="" val="2159869430"/>
       </p:ext>
     </p:extLst>
   </p:cSld>
@@ -3843,7 +3803,7 @@
           </p:nvPr>
         </p:nvPicPr>
         <p:blipFill>
-          <a:blip r:embed="rId2"/>
+          <a:blip r:embed="rId2" cstate="print"/>
           <a:stretch>
             <a:fillRect/>
           </a:stretch>
@@ -3884,15 +3844,7 @@
                   <a:schemeClr val="bg1"/>
                 </a:solidFill>
               </a:rPr>
-              <a:t>Módulo </a:t>
-            </a:r>
-            <a:r>
-              <a:rPr lang="pt-BR" sz="2800" dirty="0" smtClean="0">
-                <a:solidFill>
-                  <a:schemeClr val="bg1"/>
-                </a:solidFill>
-              </a:rPr>
-              <a:t>Cadastrar</a:t>
+              <a:t>Módulo Cadastrar</a:t>
             </a:r>
             <a:endParaRPr lang="pt-BR" sz="2800" dirty="0">
               <a:solidFill>
@@ -3932,6 +3884,23 @@
               <a:rPr lang="pt-BR" dirty="0" smtClean="0"/>
               <a:t>28</a:t>
             </a:r>
+          </a:p>
+          <a:p>
+            <a:endParaRPr lang="pt-BR" b="1" dirty="0" smtClean="0"/>
+          </a:p>
+          <a:p>
+            <a:r>
+              <a:rPr lang="pt-BR" b="1" dirty="0" smtClean="0"/>
+              <a:t>Casos </a:t>
+            </a:r>
+            <a:r>
+              <a:rPr lang="pt-BR" b="1" dirty="0" smtClean="0"/>
+              <a:t>de testes executados: </a:t>
+            </a:r>
+            <a:r>
+              <a:rPr lang="pt-BR" dirty="0" smtClean="0"/>
+              <a:t>28 – 100%</a:t>
+            </a:r>
             <a:endParaRPr lang="pt-BR" dirty="0" smtClean="0"/>
           </a:p>
           <a:p>
@@ -3940,47 +3909,45 @@
           <a:p>
             <a:r>
               <a:rPr lang="pt-BR" b="1" dirty="0" smtClean="0"/>
-              <a:t>Casos de testes executados: </a:t>
+              <a:t>Aprovados</a:t>
+            </a:r>
+            <a:r>
+              <a:rPr lang="pt-BR" b="1" dirty="0" smtClean="0"/>
+              <a:t>: </a:t>
             </a:r>
             <a:r>
               <a:rPr lang="pt-BR" dirty="0" smtClean="0"/>
-              <a:t>28</a:t>
+              <a:t>20 – 72%</a:t>
             </a:r>
             <a:endParaRPr lang="pt-BR" dirty="0" smtClean="0"/>
           </a:p>
           <a:p>
+            <a:r>
+              <a:rPr lang="pt-BR" b="1" dirty="0" smtClean="0"/>
+              <a:t>Reprovados</a:t>
+            </a:r>
+            <a:r>
+              <a:rPr lang="pt-BR" b="1" dirty="0" smtClean="0"/>
+              <a:t>: </a:t>
+            </a:r>
+            <a:r>
+              <a:rPr lang="pt-BR" dirty="0" smtClean="0"/>
+              <a:t>7 – 25,2%</a:t>
+            </a:r>
             <a:endParaRPr lang="pt-BR" dirty="0" smtClean="0"/>
           </a:p>
           <a:p>
             <a:r>
               <a:rPr lang="pt-BR" b="1" dirty="0" smtClean="0"/>
-              <a:t>Aprovados: </a:t>
+              <a:t>Melhorias</a:t>
+            </a:r>
+            <a:r>
+              <a:rPr lang="pt-BR" b="1" dirty="0" smtClean="0"/>
+              <a:t>: </a:t>
             </a:r>
             <a:r>
               <a:rPr lang="pt-BR" dirty="0" smtClean="0"/>
-              <a:t>20</a:t>
-            </a:r>
-            <a:endParaRPr lang="pt-BR" dirty="0" smtClean="0"/>
-          </a:p>
-          <a:p>
-            <a:r>
-              <a:rPr lang="pt-BR" b="1" dirty="0" smtClean="0"/>
-              <a:t>Reprovados: </a:t>
-            </a:r>
-            <a:r>
-              <a:rPr lang="pt-BR" dirty="0" smtClean="0"/>
-              <a:t>7</a:t>
-            </a:r>
-            <a:endParaRPr lang="pt-BR" dirty="0" smtClean="0"/>
-          </a:p>
-          <a:p>
-            <a:r>
-              <a:rPr lang="pt-BR" b="1" dirty="0" smtClean="0"/>
-              <a:t>Melhorias: </a:t>
-            </a:r>
-            <a:r>
-              <a:rPr lang="pt-BR" dirty="0"/>
-              <a:t>1</a:t>
+              <a:t>1 – 3,8% </a:t>
             </a:r>
             <a:endParaRPr lang="pt-BR" dirty="0" smtClean="0"/>
           </a:p>
@@ -4035,7 +4002,7 @@
           </p:nvPr>
         </p:nvPicPr>
         <p:blipFill>
-          <a:blip r:embed="rId2"/>
+          <a:blip r:embed="rId2" cstate="print"/>
           <a:stretch>
             <a:fillRect/>
           </a:stretch>
@@ -4076,15 +4043,7 @@
                   <a:schemeClr val="bg1"/>
                 </a:solidFill>
               </a:rPr>
-              <a:t>Módulo </a:t>
-            </a:r>
-            <a:r>
-              <a:rPr lang="pt-BR" sz="2800" dirty="0" smtClean="0">
-                <a:solidFill>
-                  <a:schemeClr val="bg1"/>
-                </a:solidFill>
-              </a:rPr>
-              <a:t>Alterar</a:t>
+              <a:t>Módulo Alterar</a:t>
             </a:r>
             <a:endParaRPr lang="pt-BR" sz="2800" dirty="0">
               <a:solidFill>
@@ -4124,7 +4083,6 @@
               <a:rPr lang="pt-BR" dirty="0" smtClean="0"/>
               <a:t>14</a:t>
             </a:r>
-            <a:endParaRPr lang="pt-BR" dirty="0" smtClean="0"/>
           </a:p>
           <a:p>
             <a:endParaRPr lang="pt-BR" dirty="0" smtClean="0"/>
@@ -4136,7 +4094,7 @@
             </a:r>
             <a:r>
               <a:rPr lang="pt-BR" dirty="0" smtClean="0"/>
-              <a:t>14</a:t>
+              <a:t>14 – 100%</a:t>
             </a:r>
             <a:endParaRPr lang="pt-BR" dirty="0" smtClean="0"/>
           </a:p>
@@ -4149,8 +4107,8 @@
               <a:t>Aprovados: </a:t>
             </a:r>
             <a:r>
-              <a:rPr lang="pt-BR" dirty="0"/>
-              <a:t>5</a:t>
+              <a:rPr lang="pt-BR" dirty="0" smtClean="0"/>
+              <a:t>5 – 35,75%</a:t>
             </a:r>
             <a:endParaRPr lang="pt-BR" dirty="0" smtClean="0"/>
           </a:p>
@@ -4160,8 +4118,8 @@
               <a:t>Reprovados: </a:t>
             </a:r>
             <a:r>
-              <a:rPr lang="pt-BR" dirty="0"/>
-              <a:t>3</a:t>
+              <a:rPr lang="pt-BR" dirty="0" smtClean="0"/>
+              <a:t>3 – 21,45%</a:t>
             </a:r>
             <a:endParaRPr lang="pt-BR" dirty="0" smtClean="0"/>
           </a:p>
@@ -4171,8 +4129,8 @@
               <a:t>Melhorias: </a:t>
             </a:r>
             <a:r>
-              <a:rPr lang="pt-BR" dirty="0"/>
-              <a:t>6</a:t>
+              <a:rPr lang="pt-BR" dirty="0" smtClean="0"/>
+              <a:t>6 – 42,8%</a:t>
             </a:r>
             <a:endParaRPr lang="pt-BR" dirty="0" smtClean="0"/>
           </a:p>
@@ -4221,7 +4179,7 @@
           </p:nvPr>
         </p:nvPicPr>
         <p:blipFill>
-          <a:blip r:embed="rId2"/>
+          <a:blip r:embed="rId2" cstate="print"/>
           <a:stretch>
             <a:fillRect/>
           </a:stretch>
@@ -4262,15 +4220,7 @@
                   <a:schemeClr val="bg1"/>
                 </a:solidFill>
               </a:rPr>
-              <a:t>Módulo </a:t>
-            </a:r>
-            <a:r>
-              <a:rPr lang="pt-BR" sz="2800" dirty="0" smtClean="0">
-                <a:solidFill>
-                  <a:schemeClr val="bg1"/>
-                </a:solidFill>
-              </a:rPr>
-              <a:t>Excluir</a:t>
+              <a:t>Módulo Excluir</a:t>
             </a:r>
             <a:endParaRPr lang="pt-BR" sz="2800" dirty="0">
               <a:solidFill>
@@ -4322,7 +4272,7 @@
             </a:r>
             <a:r>
               <a:rPr lang="pt-BR" dirty="0" smtClean="0"/>
-              <a:t>2</a:t>
+              <a:t>2 – 100%</a:t>
             </a:r>
             <a:endParaRPr lang="pt-BR" dirty="0" smtClean="0"/>
           </a:p>
@@ -4335,8 +4285,8 @@
               <a:t>Aprovados: </a:t>
             </a:r>
             <a:r>
-              <a:rPr lang="pt-BR" dirty="0"/>
-              <a:t>1</a:t>
+              <a:rPr lang="pt-BR" dirty="0" smtClean="0"/>
+              <a:t>1 – 50%</a:t>
             </a:r>
             <a:endParaRPr lang="pt-BR" dirty="0" smtClean="0"/>
           </a:p>
@@ -4356,8 +4306,8 @@
               <a:t>Melhorias: </a:t>
             </a:r>
             <a:r>
-              <a:rPr lang="pt-BR" dirty="0"/>
-              <a:t>1</a:t>
+              <a:rPr lang="pt-BR" dirty="0" smtClean="0"/>
+              <a:t>1 – 50%</a:t>
             </a:r>
             <a:endParaRPr lang="pt-BR" dirty="0" smtClean="0"/>
           </a:p>
@@ -4406,7 +4356,7 @@
           </p:nvPr>
         </p:nvPicPr>
         <p:blipFill>
-          <a:blip r:embed="rId2"/>
+          <a:blip r:embed="rId2" cstate="print"/>
           <a:stretch>
             <a:fillRect/>
           </a:stretch>
@@ -4447,15 +4397,7 @@
                   <a:schemeClr val="bg1"/>
                 </a:solidFill>
               </a:rPr>
-              <a:t>Módulo </a:t>
-            </a:r>
-            <a:r>
-              <a:rPr lang="pt-BR" sz="2800" dirty="0" smtClean="0">
-                <a:solidFill>
-                  <a:schemeClr val="bg1"/>
-                </a:solidFill>
-              </a:rPr>
-              <a:t>Buscar</a:t>
+              <a:t>Módulo Buscar</a:t>
             </a:r>
             <a:endParaRPr lang="pt-BR" sz="2800" dirty="0">
               <a:solidFill>
@@ -4506,10 +4448,9 @@
               <a:t>Casos de testes executados: </a:t>
             </a:r>
             <a:r>
-              <a:rPr lang="pt-BR" dirty="0"/>
-              <a:t>3</a:t>
-            </a:r>
-            <a:endParaRPr lang="pt-BR" dirty="0" smtClean="0"/>
+              <a:rPr lang="pt-BR" dirty="0" smtClean="0"/>
+              <a:t>3 – 100%</a:t>
+            </a:r>
           </a:p>
           <a:p>
             <a:endParaRPr lang="pt-BR" dirty="0" smtClean="0"/>
@@ -4521,8 +4462,9 @@
             </a:r>
             <a:r>
               <a:rPr lang="pt-BR" dirty="0" smtClean="0"/>
-              <a:t>1</a:t>
-            </a:r>
+              <a:t>1  - 33,3%</a:t>
+            </a:r>
+            <a:endParaRPr lang="pt-BR" dirty="0" smtClean="0"/>
           </a:p>
           <a:p>
             <a:r>
@@ -4531,8 +4473,9 @@
             </a:r>
             <a:r>
               <a:rPr lang="pt-BR" dirty="0" smtClean="0"/>
-              <a:t>0</a:t>
-            </a:r>
+              <a:t>0 - </a:t>
+            </a:r>
+            <a:endParaRPr lang="pt-BR" dirty="0" smtClean="0"/>
           </a:p>
           <a:p>
             <a:r>
@@ -4540,8 +4483,8 @@
               <a:t>Melhorias: </a:t>
             </a:r>
             <a:r>
-              <a:rPr lang="pt-BR" dirty="0"/>
-              <a:t>2</a:t>
+              <a:rPr lang="pt-BR" dirty="0" smtClean="0"/>
+              <a:t>2 - 66,7%</a:t>
             </a:r>
             <a:endParaRPr lang="pt-BR" dirty="0" smtClean="0"/>
           </a:p>
@@ -4590,7 +4533,7 @@
           </p:nvPr>
         </p:nvPicPr>
         <p:blipFill>
-          <a:blip r:embed="rId2"/>
+          <a:blip r:embed="rId2" cstate="print"/>
           <a:stretch>
             <a:fillRect/>
           </a:stretch>
@@ -4687,23 +4630,7 @@
             </a:r>
             <a:r>
               <a:rPr lang="pt-BR" dirty="0" smtClean="0"/>
-              <a:t>e avaliação dos testes, além de outros documentos, como o de </a:t>
-            </a:r>
-            <a:r>
-              <a:rPr lang="pt-BR" dirty="0" smtClean="0"/>
-              <a:t>solicitação </a:t>
-            </a:r>
-            <a:r>
-              <a:rPr lang="pt-BR" dirty="0" smtClean="0"/>
-              <a:t>de </a:t>
-            </a:r>
-            <a:r>
-              <a:rPr lang="pt-BR" dirty="0" smtClean="0"/>
-              <a:t>mudanças</a:t>
-            </a:r>
-            <a:r>
-              <a:rPr lang="pt-BR" dirty="0" smtClean="0"/>
-              <a:t>;</a:t>
+              <a:t>e avaliação dos testes, além de outros documentos, como o de solicitação de mudanças;</a:t>
             </a:r>
           </a:p>
           <a:p>
@@ -4741,13 +4668,8 @@
             </a:pPr>
             <a:r>
               <a:rPr lang="pt-BR" dirty="0" smtClean="0"/>
-              <a:t>Notebook com Windows 8 </a:t>
-            </a:r>
-            <a:r>
-              <a:rPr lang="pt-BR" dirty="0" smtClean="0"/>
-              <a:t>instalado, java 8;</a:t>
-            </a:r>
-            <a:endParaRPr lang="pt-BR" dirty="0" smtClean="0"/>
+              <a:t>Notebook com Windows 8 instalado, java 8;</a:t>
+            </a:r>
           </a:p>
           <a:p>
             <a:pPr marL="800100" lvl="1" indent="-342900">
@@ -4756,17 +4678,8 @@
             </a:pPr>
             <a:r>
               <a:rPr lang="pt-BR" dirty="0" smtClean="0"/>
-              <a:t>Desktop </a:t>
-            </a:r>
-            <a:r>
-              <a:rPr lang="pt-BR" dirty="0" smtClean="0"/>
-              <a:t>com Windows 7 </a:t>
-            </a:r>
-            <a:r>
-              <a:rPr lang="pt-BR" dirty="0" smtClean="0"/>
-              <a:t>instalado, java 8;</a:t>
-            </a:r>
-            <a:endParaRPr lang="pt-BR" dirty="0" smtClean="0"/>
+              <a:t>Desktop com Windows 7 instalado, java 8;</a:t>
+            </a:r>
           </a:p>
           <a:p>
             <a:pPr lvl="1"/>
@@ -4796,7 +4709,7 @@
     </p:spTree>
     <p:extLst>
       <p:ext uri="{BB962C8B-B14F-4D97-AF65-F5344CB8AC3E}">
-        <p14:creationId xmlns:p14="http://schemas.microsoft.com/office/powerpoint/2010/main" val="385561133"/>
+        <p14:creationId xmlns:p14="http://schemas.microsoft.com/office/powerpoint/2010/main" xmlns="" val="385561133"/>
       </p:ext>
     </p:extLst>
   </p:cSld>

--- a/Avaliação de testes.pptx
+++ b/Avaliação de testes.pptx
@@ -13,8 +13,10 @@
     <p:sldId id="261" r:id="rId7"/>
     <p:sldId id="262" r:id="rId8"/>
     <p:sldId id="263" r:id="rId9"/>
-    <p:sldId id="267" r:id="rId10"/>
-    <p:sldId id="258" r:id="rId11"/>
+    <p:sldId id="268" r:id="rId10"/>
+    <p:sldId id="269" r:id="rId11"/>
+    <p:sldId id="267" r:id="rId12"/>
+    <p:sldId id="258" r:id="rId13"/>
   </p:sldIdLst>
   <p:sldSz cx="9144000" cy="6858000" type="screen4x3"/>
   <p:notesSz cx="6858000" cy="9144000"/>
@@ -115,7 +117,7 @@
   </p:defaultTextStyle>
   <p:extLst>
     <p:ext uri="{EFAFB233-063F-42B5-8137-9DF3F51BA10A}">
-      <p15:sldGuideLst xmlns="" xmlns:p15="http://schemas.microsoft.com/office/powerpoint/2012/main">
+      <p15:sldGuideLst xmlns:p15="http://schemas.microsoft.com/office/powerpoint/2012/main" xmlns="">
         <p15:guide id="1" orient="horz" pos="2160">
           <p15:clr>
             <a:srgbClr val="A4A3A4"/>
@@ -130,6 +132,1004 @@
     </p:ext>
   </p:extLst>
 </p:presentation>
+</file>
+
+<file path=ppt/charts/chart1.xml><?xml version="1.0" encoding="utf-8"?>
+<c:chartSpace xmlns:c="http://schemas.openxmlformats.org/drawingml/2006/chart" xmlns:a="http://schemas.openxmlformats.org/drawingml/2006/main" xmlns:r="http://schemas.openxmlformats.org/officeDocument/2006/relationships">
+  <c:date1904 val="0"/>
+  <c:lang val="pt-BR"/>
+  <c:roundedCorners val="0"/>
+  <mc:AlternateContent xmlns:mc="http://schemas.openxmlformats.org/markup-compatibility/2006">
+    <mc:Choice xmlns:c14="http://schemas.microsoft.com/office/drawing/2007/8/2/chart" Requires="c14">
+      <c14:style val="102"/>
+    </mc:Choice>
+    <mc:Fallback>
+      <c:style val="2"/>
+    </mc:Fallback>
+  </mc:AlternateContent>
+  <c:chart>
+    <c:autoTitleDeleted val="1"/>
+    <c:plotArea>
+      <c:layout/>
+      <c:pieChart>
+        <c:varyColors val="1"/>
+        <c:ser>
+          <c:idx val="0"/>
+          <c:order val="0"/>
+          <c:tx>
+            <c:strRef>
+              <c:f>Sheet1!$B$1</c:f>
+              <c:strCache>
+                <c:ptCount val="1"/>
+                <c:pt idx="0">
+                  <c:v>Sales</c:v>
+                </c:pt>
+              </c:strCache>
+            </c:strRef>
+          </c:tx>
+          <c:dPt>
+            <c:idx val="0"/>
+            <c:bubble3D val="0"/>
+            <c:spPr>
+              <a:solidFill>
+                <a:schemeClr val="accent1"/>
+              </a:solidFill>
+            </c:spPr>
+          </c:dPt>
+          <c:cat>
+            <c:strRef>
+              <c:f>Sheet1!$A$2:$A$4</c:f>
+              <c:strCache>
+                <c:ptCount val="3"/>
+                <c:pt idx="0">
+                  <c:v>Aprovados</c:v>
+                </c:pt>
+                <c:pt idx="1">
+                  <c:v>Reprovados</c:v>
+                </c:pt>
+                <c:pt idx="2">
+                  <c:v>Melhorias</c:v>
+                </c:pt>
+              </c:strCache>
+            </c:strRef>
+          </c:cat>
+          <c:val>
+            <c:numRef>
+              <c:f>Sheet1!$B$2:$B$4</c:f>
+              <c:numCache>
+                <c:formatCode>General</c:formatCode>
+                <c:ptCount val="3"/>
+                <c:pt idx="0">
+                  <c:v>20</c:v>
+                </c:pt>
+                <c:pt idx="1">
+                  <c:v>7</c:v>
+                </c:pt>
+                <c:pt idx="2">
+                  <c:v>1</c:v>
+                </c:pt>
+              </c:numCache>
+            </c:numRef>
+          </c:val>
+        </c:ser>
+        <c:dLbls>
+          <c:showLegendKey val="0"/>
+          <c:showVal val="0"/>
+          <c:showCatName val="0"/>
+          <c:showSerName val="0"/>
+          <c:showPercent val="0"/>
+          <c:showBubbleSize val="0"/>
+          <c:showLeaderLines val="1"/>
+        </c:dLbls>
+        <c:firstSliceAng val="0"/>
+      </c:pieChart>
+    </c:plotArea>
+    <c:legend>
+      <c:legendPos val="r"/>
+      <c:layout/>
+      <c:overlay val="0"/>
+    </c:legend>
+    <c:plotVisOnly val="1"/>
+    <c:dispBlanksAs val="gap"/>
+    <c:showDLblsOverMax val="0"/>
+  </c:chart>
+  <c:txPr>
+    <a:bodyPr/>
+    <a:lstStyle/>
+    <a:p>
+      <a:pPr>
+        <a:defRPr sz="1800"/>
+      </a:pPr>
+      <a:endParaRPr lang="pt-BR"/>
+    </a:p>
+  </c:txPr>
+  <c:externalData r:id="rId1">
+    <c:autoUpdate val="0"/>
+  </c:externalData>
+</c:chartSpace>
+</file>
+
+<file path=ppt/charts/chart2.xml><?xml version="1.0" encoding="utf-8"?>
+<c:chartSpace xmlns:c="http://schemas.openxmlformats.org/drawingml/2006/chart" xmlns:a="http://schemas.openxmlformats.org/drawingml/2006/main" xmlns:r="http://schemas.openxmlformats.org/officeDocument/2006/relationships">
+  <c:date1904 val="0"/>
+  <c:lang val="pt-BR"/>
+  <c:roundedCorners val="0"/>
+  <mc:AlternateContent xmlns:mc="http://schemas.openxmlformats.org/markup-compatibility/2006">
+    <mc:Choice xmlns:c14="http://schemas.microsoft.com/office/drawing/2007/8/2/chart" Requires="c14">
+      <c14:style val="102"/>
+    </mc:Choice>
+    <mc:Fallback>
+      <c:style val="2"/>
+    </mc:Fallback>
+  </mc:AlternateContent>
+  <c:chart>
+    <c:autoTitleDeleted val="1"/>
+    <c:plotArea>
+      <c:layout/>
+      <c:pieChart>
+        <c:varyColors val="1"/>
+        <c:ser>
+          <c:idx val="0"/>
+          <c:order val="0"/>
+          <c:tx>
+            <c:strRef>
+              <c:f>Sheet1!$B$1</c:f>
+              <c:strCache>
+                <c:ptCount val="1"/>
+                <c:pt idx="0">
+                  <c:v>Sales</c:v>
+                </c:pt>
+              </c:strCache>
+            </c:strRef>
+          </c:tx>
+          <c:dPt>
+            <c:idx val="0"/>
+            <c:bubble3D val="0"/>
+            <c:spPr>
+              <a:solidFill>
+                <a:schemeClr val="accent1"/>
+              </a:solidFill>
+            </c:spPr>
+          </c:dPt>
+          <c:cat>
+            <c:strRef>
+              <c:f>Sheet1!$A$2:$A$4</c:f>
+              <c:strCache>
+                <c:ptCount val="3"/>
+                <c:pt idx="0">
+                  <c:v>Aprovados</c:v>
+                </c:pt>
+                <c:pt idx="1">
+                  <c:v>Reprovados</c:v>
+                </c:pt>
+                <c:pt idx="2">
+                  <c:v>Melhorias</c:v>
+                </c:pt>
+              </c:strCache>
+            </c:strRef>
+          </c:cat>
+          <c:val>
+            <c:numRef>
+              <c:f>Sheet1!$B$2:$B$4</c:f>
+              <c:numCache>
+                <c:formatCode>General</c:formatCode>
+                <c:ptCount val="3"/>
+                <c:pt idx="0">
+                  <c:v>5</c:v>
+                </c:pt>
+                <c:pt idx="1">
+                  <c:v>3</c:v>
+                </c:pt>
+                <c:pt idx="2">
+                  <c:v>6</c:v>
+                </c:pt>
+              </c:numCache>
+            </c:numRef>
+          </c:val>
+        </c:ser>
+        <c:dLbls>
+          <c:showLegendKey val="0"/>
+          <c:showVal val="0"/>
+          <c:showCatName val="0"/>
+          <c:showSerName val="0"/>
+          <c:showPercent val="0"/>
+          <c:showBubbleSize val="0"/>
+          <c:showLeaderLines val="1"/>
+        </c:dLbls>
+        <c:firstSliceAng val="0"/>
+      </c:pieChart>
+    </c:plotArea>
+    <c:legend>
+      <c:legendPos val="r"/>
+      <c:layout/>
+      <c:overlay val="0"/>
+    </c:legend>
+    <c:plotVisOnly val="1"/>
+    <c:dispBlanksAs val="gap"/>
+    <c:showDLblsOverMax val="0"/>
+  </c:chart>
+  <c:txPr>
+    <a:bodyPr/>
+    <a:lstStyle/>
+    <a:p>
+      <a:pPr>
+        <a:defRPr sz="1800"/>
+      </a:pPr>
+      <a:endParaRPr lang="pt-BR"/>
+    </a:p>
+  </c:txPr>
+  <c:externalData r:id="rId1">
+    <c:autoUpdate val="0"/>
+  </c:externalData>
+</c:chartSpace>
+</file>
+
+<file path=ppt/charts/chart3.xml><?xml version="1.0" encoding="utf-8"?>
+<c:chartSpace xmlns:c="http://schemas.openxmlformats.org/drawingml/2006/chart" xmlns:a="http://schemas.openxmlformats.org/drawingml/2006/main" xmlns:r="http://schemas.openxmlformats.org/officeDocument/2006/relationships">
+  <c:date1904 val="0"/>
+  <c:lang val="pt-BR"/>
+  <c:roundedCorners val="0"/>
+  <mc:AlternateContent xmlns:mc="http://schemas.openxmlformats.org/markup-compatibility/2006">
+    <mc:Choice xmlns:c14="http://schemas.microsoft.com/office/drawing/2007/8/2/chart" Requires="c14">
+      <c14:style val="102"/>
+    </mc:Choice>
+    <mc:Fallback>
+      <c:style val="2"/>
+    </mc:Fallback>
+  </mc:AlternateContent>
+  <c:chart>
+    <c:autoTitleDeleted val="1"/>
+    <c:plotArea>
+      <c:layout/>
+      <c:pieChart>
+        <c:varyColors val="1"/>
+        <c:ser>
+          <c:idx val="0"/>
+          <c:order val="0"/>
+          <c:tx>
+            <c:strRef>
+              <c:f>Sheet1!$B$1</c:f>
+              <c:strCache>
+                <c:ptCount val="1"/>
+                <c:pt idx="0">
+                  <c:v>Sales</c:v>
+                </c:pt>
+              </c:strCache>
+            </c:strRef>
+          </c:tx>
+          <c:dPt>
+            <c:idx val="0"/>
+            <c:bubble3D val="0"/>
+            <c:spPr>
+              <a:solidFill>
+                <a:schemeClr val="accent1"/>
+              </a:solidFill>
+            </c:spPr>
+          </c:dPt>
+          <c:cat>
+            <c:strRef>
+              <c:f>Sheet1!$A$2:$A$4</c:f>
+              <c:strCache>
+                <c:ptCount val="3"/>
+                <c:pt idx="0">
+                  <c:v>Aprovados</c:v>
+                </c:pt>
+                <c:pt idx="1">
+                  <c:v>Reprovados</c:v>
+                </c:pt>
+                <c:pt idx="2">
+                  <c:v>Melhorias</c:v>
+                </c:pt>
+              </c:strCache>
+            </c:strRef>
+          </c:cat>
+          <c:val>
+            <c:numRef>
+              <c:f>Sheet1!$B$2:$B$4</c:f>
+              <c:numCache>
+                <c:formatCode>General</c:formatCode>
+                <c:ptCount val="3"/>
+                <c:pt idx="0">
+                  <c:v>1</c:v>
+                </c:pt>
+                <c:pt idx="1">
+                  <c:v>0</c:v>
+                </c:pt>
+                <c:pt idx="2">
+                  <c:v>1</c:v>
+                </c:pt>
+              </c:numCache>
+            </c:numRef>
+          </c:val>
+        </c:ser>
+        <c:dLbls>
+          <c:showLegendKey val="0"/>
+          <c:showVal val="0"/>
+          <c:showCatName val="0"/>
+          <c:showSerName val="0"/>
+          <c:showPercent val="0"/>
+          <c:showBubbleSize val="0"/>
+          <c:showLeaderLines val="1"/>
+        </c:dLbls>
+        <c:firstSliceAng val="0"/>
+      </c:pieChart>
+    </c:plotArea>
+    <c:legend>
+      <c:legendPos val="r"/>
+      <c:layout/>
+      <c:overlay val="0"/>
+    </c:legend>
+    <c:plotVisOnly val="1"/>
+    <c:dispBlanksAs val="gap"/>
+    <c:showDLblsOverMax val="0"/>
+  </c:chart>
+  <c:txPr>
+    <a:bodyPr/>
+    <a:lstStyle/>
+    <a:p>
+      <a:pPr>
+        <a:defRPr sz="1800"/>
+      </a:pPr>
+      <a:endParaRPr lang="pt-BR"/>
+    </a:p>
+  </c:txPr>
+  <c:externalData r:id="rId1">
+    <c:autoUpdate val="0"/>
+  </c:externalData>
+</c:chartSpace>
+</file>
+
+<file path=ppt/charts/chart4.xml><?xml version="1.0" encoding="utf-8"?>
+<c:chartSpace xmlns:c="http://schemas.openxmlformats.org/drawingml/2006/chart" xmlns:a="http://schemas.openxmlformats.org/drawingml/2006/main" xmlns:r="http://schemas.openxmlformats.org/officeDocument/2006/relationships">
+  <c:date1904 val="0"/>
+  <c:lang val="pt-BR"/>
+  <c:roundedCorners val="0"/>
+  <mc:AlternateContent xmlns:mc="http://schemas.openxmlformats.org/markup-compatibility/2006">
+    <mc:Choice xmlns:c14="http://schemas.microsoft.com/office/drawing/2007/8/2/chart" Requires="c14">
+      <c14:style val="102"/>
+    </mc:Choice>
+    <mc:Fallback>
+      <c:style val="2"/>
+    </mc:Fallback>
+  </mc:AlternateContent>
+  <c:chart>
+    <c:autoTitleDeleted val="1"/>
+    <c:plotArea>
+      <c:layout/>
+      <c:pieChart>
+        <c:varyColors val="1"/>
+        <c:ser>
+          <c:idx val="0"/>
+          <c:order val="0"/>
+          <c:tx>
+            <c:strRef>
+              <c:f>Sheet1!$B$1</c:f>
+              <c:strCache>
+                <c:ptCount val="1"/>
+                <c:pt idx="0">
+                  <c:v>Sales</c:v>
+                </c:pt>
+              </c:strCache>
+            </c:strRef>
+          </c:tx>
+          <c:dPt>
+            <c:idx val="0"/>
+            <c:bubble3D val="0"/>
+            <c:spPr>
+              <a:solidFill>
+                <a:schemeClr val="accent1"/>
+              </a:solidFill>
+            </c:spPr>
+          </c:dPt>
+          <c:cat>
+            <c:strRef>
+              <c:f>Sheet1!$A$2:$A$4</c:f>
+              <c:strCache>
+                <c:ptCount val="3"/>
+                <c:pt idx="0">
+                  <c:v>Aprovados</c:v>
+                </c:pt>
+                <c:pt idx="1">
+                  <c:v>Reprovados</c:v>
+                </c:pt>
+                <c:pt idx="2">
+                  <c:v>Melhorias</c:v>
+                </c:pt>
+              </c:strCache>
+            </c:strRef>
+          </c:cat>
+          <c:val>
+            <c:numRef>
+              <c:f>Sheet1!$B$2:$B$4</c:f>
+              <c:numCache>
+                <c:formatCode>General</c:formatCode>
+                <c:ptCount val="3"/>
+                <c:pt idx="0">
+                  <c:v>1</c:v>
+                </c:pt>
+                <c:pt idx="1">
+                  <c:v>0</c:v>
+                </c:pt>
+                <c:pt idx="2">
+                  <c:v>2</c:v>
+                </c:pt>
+              </c:numCache>
+            </c:numRef>
+          </c:val>
+        </c:ser>
+        <c:dLbls>
+          <c:showLegendKey val="0"/>
+          <c:showVal val="0"/>
+          <c:showCatName val="0"/>
+          <c:showSerName val="0"/>
+          <c:showPercent val="0"/>
+          <c:showBubbleSize val="0"/>
+          <c:showLeaderLines val="1"/>
+        </c:dLbls>
+        <c:firstSliceAng val="0"/>
+      </c:pieChart>
+    </c:plotArea>
+    <c:legend>
+      <c:legendPos val="r"/>
+      <c:layout/>
+      <c:overlay val="0"/>
+    </c:legend>
+    <c:plotVisOnly val="1"/>
+    <c:dispBlanksAs val="gap"/>
+    <c:showDLblsOverMax val="0"/>
+  </c:chart>
+  <c:txPr>
+    <a:bodyPr/>
+    <a:lstStyle/>
+    <a:p>
+      <a:pPr>
+        <a:defRPr sz="1800"/>
+      </a:pPr>
+      <a:endParaRPr lang="pt-BR"/>
+    </a:p>
+  </c:txPr>
+  <c:externalData r:id="rId1">
+    <c:autoUpdate val="0"/>
+  </c:externalData>
+</c:chartSpace>
+</file>
+
+<file path=ppt/charts/chart5.xml><?xml version="1.0" encoding="utf-8"?>
+<c:chartSpace xmlns:c="http://schemas.openxmlformats.org/drawingml/2006/chart" xmlns:a="http://schemas.openxmlformats.org/drawingml/2006/main" xmlns:r="http://schemas.openxmlformats.org/officeDocument/2006/relationships">
+  <c:date1904 val="0"/>
+  <c:lang val="pt-BR"/>
+  <c:roundedCorners val="0"/>
+  <mc:AlternateContent xmlns:mc="http://schemas.openxmlformats.org/markup-compatibility/2006">
+    <mc:Choice xmlns:c14="http://schemas.microsoft.com/office/drawing/2007/8/2/chart" Requires="c14">
+      <c14:style val="102"/>
+    </mc:Choice>
+    <mc:Fallback>
+      <c:style val="2"/>
+    </mc:Fallback>
+  </mc:AlternateContent>
+  <c:clrMapOvr bg1="lt1" tx1="dk1" bg2="lt2" tx2="dk2" accent1="accent1" accent2="accent2" accent3="accent3" accent4="accent4" accent5="accent5" accent6="accent6" hlink="hlink" folHlink="folHlink"/>
+  <c:chart>
+    <c:autoTitleDeleted val="1"/>
+    <c:plotArea>
+      <c:layout/>
+      <c:pieChart>
+        <c:varyColors val="1"/>
+        <c:ser>
+          <c:idx val="0"/>
+          <c:order val="0"/>
+          <c:tx>
+            <c:strRef>
+              <c:f>Sheet1!$B$1</c:f>
+              <c:strCache>
+                <c:ptCount val="1"/>
+                <c:pt idx="0">
+                  <c:v>Sales</c:v>
+                </c:pt>
+              </c:strCache>
+            </c:strRef>
+          </c:tx>
+          <c:dPt>
+            <c:idx val="0"/>
+            <c:bubble3D val="0"/>
+            <c:spPr>
+              <a:solidFill>
+                <a:schemeClr val="accent1"/>
+              </a:solidFill>
+            </c:spPr>
+          </c:dPt>
+          <c:cat>
+            <c:strRef>
+              <c:f>Sheet1!$A$2:$A$4</c:f>
+              <c:strCache>
+                <c:ptCount val="3"/>
+                <c:pt idx="0">
+                  <c:v>Aprovados</c:v>
+                </c:pt>
+                <c:pt idx="1">
+                  <c:v>Reprovados</c:v>
+                </c:pt>
+                <c:pt idx="2">
+                  <c:v>Melhorias</c:v>
+                </c:pt>
+              </c:strCache>
+            </c:strRef>
+          </c:cat>
+          <c:val>
+            <c:numRef>
+              <c:f>Sheet1!$B$2:$B$4</c:f>
+              <c:numCache>
+                <c:formatCode>General</c:formatCode>
+                <c:ptCount val="3"/>
+                <c:pt idx="0">
+                  <c:v>27</c:v>
+                </c:pt>
+                <c:pt idx="1">
+                  <c:v>10</c:v>
+                </c:pt>
+                <c:pt idx="2">
+                  <c:v>10</c:v>
+                </c:pt>
+              </c:numCache>
+            </c:numRef>
+          </c:val>
+        </c:ser>
+        <c:dLbls>
+          <c:showLegendKey val="0"/>
+          <c:showVal val="0"/>
+          <c:showCatName val="0"/>
+          <c:showSerName val="0"/>
+          <c:showPercent val="0"/>
+          <c:showBubbleSize val="0"/>
+          <c:showLeaderLines val="1"/>
+        </c:dLbls>
+        <c:firstSliceAng val="0"/>
+      </c:pieChart>
+    </c:plotArea>
+    <c:legend>
+      <c:legendPos val="r"/>
+      <c:layout/>
+      <c:overlay val="0"/>
+    </c:legend>
+    <c:plotVisOnly val="1"/>
+    <c:dispBlanksAs val="gap"/>
+    <c:showDLblsOverMax val="0"/>
+  </c:chart>
+  <c:txPr>
+    <a:bodyPr/>
+    <a:lstStyle/>
+    <a:p>
+      <a:pPr>
+        <a:defRPr sz="1800"/>
+      </a:pPr>
+      <a:endParaRPr lang="pt-BR"/>
+    </a:p>
+  </c:txPr>
+  <c:externalData r:id="rId2">
+    <c:autoUpdate val="0"/>
+  </c:externalData>
+</c:chartSpace>
+</file>
+
+<file path=ppt/charts/chart6.xml><?xml version="1.0" encoding="utf-8"?>
+<c:chartSpace xmlns:c="http://schemas.openxmlformats.org/drawingml/2006/chart" xmlns:a="http://schemas.openxmlformats.org/drawingml/2006/main" xmlns:r="http://schemas.openxmlformats.org/officeDocument/2006/relationships">
+  <c:date1904 val="0"/>
+  <c:lang val="pt-BR"/>
+  <c:roundedCorners val="0"/>
+  <mc:AlternateContent xmlns:mc="http://schemas.openxmlformats.org/markup-compatibility/2006">
+    <mc:Choice xmlns:c14="http://schemas.microsoft.com/office/drawing/2007/8/2/chart" Requires="c14">
+      <c14:style val="102"/>
+    </mc:Choice>
+    <mc:Fallback>
+      <c:style val="2"/>
+    </mc:Fallback>
+  </mc:AlternateContent>
+  <c:chart>
+    <c:autoTitleDeleted val="0"/>
+    <c:plotArea>
+      <c:layout/>
+      <c:lineChart>
+        <c:grouping val="standard"/>
+        <c:varyColors val="0"/>
+        <c:ser>
+          <c:idx val="0"/>
+          <c:order val="0"/>
+          <c:tx>
+            <c:strRef>
+              <c:f>Sheet1!$B$1</c:f>
+              <c:strCache>
+                <c:ptCount val="1"/>
+                <c:pt idx="0">
+                  <c:v>Total</c:v>
+                </c:pt>
+              </c:strCache>
+            </c:strRef>
+          </c:tx>
+          <c:marker>
+            <c:symbol val="none"/>
+          </c:marker>
+          <c:cat>
+            <c:strRef>
+              <c:f>Sheet1!$A$2:$A$6</c:f>
+              <c:strCache>
+                <c:ptCount val="5"/>
+                <c:pt idx="0">
+                  <c:v>Projetados</c:v>
+                </c:pt>
+                <c:pt idx="1">
+                  <c:v>Executados</c:v>
+                </c:pt>
+                <c:pt idx="2">
+                  <c:v>Aprovados</c:v>
+                </c:pt>
+                <c:pt idx="3">
+                  <c:v>Reprovados</c:v>
+                </c:pt>
+                <c:pt idx="4">
+                  <c:v>Melhorias</c:v>
+                </c:pt>
+              </c:strCache>
+            </c:strRef>
+          </c:cat>
+          <c:val>
+            <c:numRef>
+              <c:f>Sheet1!$B$2:$B$6</c:f>
+              <c:numCache>
+                <c:formatCode>General</c:formatCode>
+                <c:ptCount val="5"/>
+                <c:pt idx="0">
+                  <c:v>48</c:v>
+                </c:pt>
+                <c:pt idx="1">
+                  <c:v>48</c:v>
+                </c:pt>
+                <c:pt idx="2">
+                  <c:v>27</c:v>
+                </c:pt>
+                <c:pt idx="3">
+                  <c:v>10</c:v>
+                </c:pt>
+                <c:pt idx="4">
+                  <c:v>10</c:v>
+                </c:pt>
+              </c:numCache>
+            </c:numRef>
+          </c:val>
+          <c:smooth val="0"/>
+        </c:ser>
+        <c:ser>
+          <c:idx val="1"/>
+          <c:order val="1"/>
+          <c:tx>
+            <c:strRef>
+              <c:f>Sheet1!$C$1</c:f>
+              <c:strCache>
+                <c:ptCount val="1"/>
+                <c:pt idx="0">
+                  <c:v>Buscar</c:v>
+                </c:pt>
+              </c:strCache>
+            </c:strRef>
+          </c:tx>
+          <c:marker>
+            <c:symbol val="none"/>
+          </c:marker>
+          <c:cat>
+            <c:strRef>
+              <c:f>Sheet1!$A$2:$A$6</c:f>
+              <c:strCache>
+                <c:ptCount val="5"/>
+                <c:pt idx="0">
+                  <c:v>Projetados</c:v>
+                </c:pt>
+                <c:pt idx="1">
+                  <c:v>Executados</c:v>
+                </c:pt>
+                <c:pt idx="2">
+                  <c:v>Aprovados</c:v>
+                </c:pt>
+                <c:pt idx="3">
+                  <c:v>Reprovados</c:v>
+                </c:pt>
+                <c:pt idx="4">
+                  <c:v>Melhorias</c:v>
+                </c:pt>
+              </c:strCache>
+            </c:strRef>
+          </c:cat>
+          <c:val>
+            <c:numRef>
+              <c:f>Sheet1!$C$2:$C$6</c:f>
+              <c:numCache>
+                <c:formatCode>General</c:formatCode>
+                <c:ptCount val="5"/>
+                <c:pt idx="0">
+                  <c:v>3</c:v>
+                </c:pt>
+                <c:pt idx="1">
+                  <c:v>3</c:v>
+                </c:pt>
+                <c:pt idx="2">
+                  <c:v>1</c:v>
+                </c:pt>
+                <c:pt idx="3">
+                  <c:v>0</c:v>
+                </c:pt>
+                <c:pt idx="4">
+                  <c:v>2</c:v>
+                </c:pt>
+              </c:numCache>
+            </c:numRef>
+          </c:val>
+          <c:smooth val="0"/>
+        </c:ser>
+        <c:ser>
+          <c:idx val="2"/>
+          <c:order val="2"/>
+          <c:tx>
+            <c:strRef>
+              <c:f>Sheet1!$D$1</c:f>
+              <c:strCache>
+                <c:ptCount val="1"/>
+                <c:pt idx="0">
+                  <c:v>Excluir</c:v>
+                </c:pt>
+              </c:strCache>
+            </c:strRef>
+          </c:tx>
+          <c:marker>
+            <c:symbol val="none"/>
+          </c:marker>
+          <c:cat>
+            <c:strRef>
+              <c:f>Sheet1!$A$2:$A$6</c:f>
+              <c:strCache>
+                <c:ptCount val="5"/>
+                <c:pt idx="0">
+                  <c:v>Projetados</c:v>
+                </c:pt>
+                <c:pt idx="1">
+                  <c:v>Executados</c:v>
+                </c:pt>
+                <c:pt idx="2">
+                  <c:v>Aprovados</c:v>
+                </c:pt>
+                <c:pt idx="3">
+                  <c:v>Reprovados</c:v>
+                </c:pt>
+                <c:pt idx="4">
+                  <c:v>Melhorias</c:v>
+                </c:pt>
+              </c:strCache>
+            </c:strRef>
+          </c:cat>
+          <c:val>
+            <c:numRef>
+              <c:f>Sheet1!$D$2:$D$6</c:f>
+              <c:numCache>
+                <c:formatCode>General</c:formatCode>
+                <c:ptCount val="5"/>
+                <c:pt idx="0">
+                  <c:v>2</c:v>
+                </c:pt>
+                <c:pt idx="1">
+                  <c:v>2</c:v>
+                </c:pt>
+                <c:pt idx="2">
+                  <c:v>1</c:v>
+                </c:pt>
+                <c:pt idx="3">
+                  <c:v>0</c:v>
+                </c:pt>
+                <c:pt idx="4">
+                  <c:v>1</c:v>
+                </c:pt>
+              </c:numCache>
+            </c:numRef>
+          </c:val>
+          <c:smooth val="0"/>
+        </c:ser>
+        <c:ser>
+          <c:idx val="3"/>
+          <c:order val="3"/>
+          <c:tx>
+            <c:strRef>
+              <c:f>Sheet1!$E$1</c:f>
+              <c:strCache>
+                <c:ptCount val="1"/>
+                <c:pt idx="0">
+                  <c:v>Alterar</c:v>
+                </c:pt>
+              </c:strCache>
+            </c:strRef>
+          </c:tx>
+          <c:marker>
+            <c:symbol val="none"/>
+          </c:marker>
+          <c:cat>
+            <c:strRef>
+              <c:f>Sheet1!$A$2:$A$6</c:f>
+              <c:strCache>
+                <c:ptCount val="5"/>
+                <c:pt idx="0">
+                  <c:v>Projetados</c:v>
+                </c:pt>
+                <c:pt idx="1">
+                  <c:v>Executados</c:v>
+                </c:pt>
+                <c:pt idx="2">
+                  <c:v>Aprovados</c:v>
+                </c:pt>
+                <c:pt idx="3">
+                  <c:v>Reprovados</c:v>
+                </c:pt>
+                <c:pt idx="4">
+                  <c:v>Melhorias</c:v>
+                </c:pt>
+              </c:strCache>
+            </c:strRef>
+          </c:cat>
+          <c:val>
+            <c:numRef>
+              <c:f>Sheet1!$E$2:$E$6</c:f>
+              <c:numCache>
+                <c:formatCode>General</c:formatCode>
+                <c:ptCount val="5"/>
+                <c:pt idx="0">
+                  <c:v>14</c:v>
+                </c:pt>
+                <c:pt idx="1">
+                  <c:v>14</c:v>
+                </c:pt>
+                <c:pt idx="2">
+                  <c:v>5</c:v>
+                </c:pt>
+                <c:pt idx="3">
+                  <c:v>3</c:v>
+                </c:pt>
+                <c:pt idx="4">
+                  <c:v>6</c:v>
+                </c:pt>
+              </c:numCache>
+            </c:numRef>
+          </c:val>
+          <c:smooth val="0"/>
+        </c:ser>
+        <c:ser>
+          <c:idx val="4"/>
+          <c:order val="4"/>
+          <c:tx>
+            <c:strRef>
+              <c:f>Sheet1!$F$1</c:f>
+              <c:strCache>
+                <c:ptCount val="1"/>
+                <c:pt idx="0">
+                  <c:v>Cadastrar</c:v>
+                </c:pt>
+              </c:strCache>
+            </c:strRef>
+          </c:tx>
+          <c:marker>
+            <c:symbol val="none"/>
+          </c:marker>
+          <c:cat>
+            <c:strRef>
+              <c:f>Sheet1!$A$2:$A$6</c:f>
+              <c:strCache>
+                <c:ptCount val="5"/>
+                <c:pt idx="0">
+                  <c:v>Projetados</c:v>
+                </c:pt>
+                <c:pt idx="1">
+                  <c:v>Executados</c:v>
+                </c:pt>
+                <c:pt idx="2">
+                  <c:v>Aprovados</c:v>
+                </c:pt>
+                <c:pt idx="3">
+                  <c:v>Reprovados</c:v>
+                </c:pt>
+                <c:pt idx="4">
+                  <c:v>Melhorias</c:v>
+                </c:pt>
+              </c:strCache>
+            </c:strRef>
+          </c:cat>
+          <c:val>
+            <c:numRef>
+              <c:f>Sheet1!$F$2:$F$6</c:f>
+              <c:numCache>
+                <c:formatCode>General</c:formatCode>
+                <c:ptCount val="5"/>
+                <c:pt idx="0">
+                  <c:v>28</c:v>
+                </c:pt>
+                <c:pt idx="1">
+                  <c:v>28</c:v>
+                </c:pt>
+                <c:pt idx="2">
+                  <c:v>20</c:v>
+                </c:pt>
+                <c:pt idx="3">
+                  <c:v>7</c:v>
+                </c:pt>
+                <c:pt idx="4">
+                  <c:v>1</c:v>
+                </c:pt>
+              </c:numCache>
+            </c:numRef>
+          </c:val>
+          <c:smooth val="0"/>
+        </c:ser>
+        <c:dLbls>
+          <c:showLegendKey val="0"/>
+          <c:showVal val="0"/>
+          <c:showCatName val="0"/>
+          <c:showSerName val="0"/>
+          <c:showPercent val="0"/>
+          <c:showBubbleSize val="0"/>
+        </c:dLbls>
+        <c:marker val="1"/>
+        <c:smooth val="0"/>
+        <c:axId val="77689600"/>
+        <c:axId val="80619776"/>
+      </c:lineChart>
+      <c:catAx>
+        <c:axId val="77689600"/>
+        <c:scaling>
+          <c:orientation val="minMax"/>
+        </c:scaling>
+        <c:delete val="0"/>
+        <c:axPos val="b"/>
+        <c:majorTickMark val="out"/>
+        <c:minorTickMark val="none"/>
+        <c:tickLblPos val="nextTo"/>
+        <c:crossAx val="80619776"/>
+        <c:crosses val="autoZero"/>
+        <c:auto val="1"/>
+        <c:lblAlgn val="ctr"/>
+        <c:lblOffset val="100"/>
+        <c:noMultiLvlLbl val="0"/>
+      </c:catAx>
+      <c:valAx>
+        <c:axId val="80619776"/>
+        <c:scaling>
+          <c:orientation val="minMax"/>
+        </c:scaling>
+        <c:delete val="0"/>
+        <c:axPos val="l"/>
+        <c:majorGridlines/>
+        <c:numFmt formatCode="General" sourceLinked="1"/>
+        <c:majorTickMark val="out"/>
+        <c:minorTickMark val="none"/>
+        <c:tickLblPos val="nextTo"/>
+        <c:crossAx val="77689600"/>
+        <c:crosses val="autoZero"/>
+        <c:crossBetween val="between"/>
+      </c:valAx>
+    </c:plotArea>
+    <c:legend>
+      <c:legendPos val="r"/>
+      <c:layout/>
+      <c:overlay val="0"/>
+    </c:legend>
+    <c:plotVisOnly val="1"/>
+    <c:dispBlanksAs val="zero"/>
+    <c:showDLblsOverMax val="0"/>
+  </c:chart>
+  <c:txPr>
+    <a:bodyPr/>
+    <a:lstStyle/>
+    <a:p>
+      <a:pPr>
+        <a:defRPr sz="1800"/>
+      </a:pPr>
+      <a:endParaRPr lang="pt-BR"/>
+    </a:p>
+  </c:txPr>
+  <c:externalData r:id="rId1">
+    <c:autoUpdate val="0"/>
+  </c:externalData>
+</c:chartSpace>
 </file>
 
 <file path=ppt/slideLayouts/slideLayout1.xml><?xml version="1.0" encoding="utf-8"?>
@@ -314,7 +1314,7 @@
             <a:fld id="{F4448136-D4BD-40DD-93D0-3AD44E3A349C}" type="datetimeFigureOut">
               <a:rPr lang="pt-BR" smtClean="0"/>
               <a:pPr/>
-              <a:t>17/11/2014</a:t>
+              <a:t>19/11/2014</a:t>
             </a:fld>
             <a:endParaRPr lang="pt-BR"/>
           </a:p>
@@ -357,7 +1357,7 @@
             <a:fld id="{CB49BECD-ADCE-4BA6-928B-AFA5749442EB}" type="slidenum">
               <a:rPr lang="pt-BR" smtClean="0"/>
               <a:pPr/>
-              <a:t>‹nº›</a:t>
+              <a:t>‹#›</a:t>
             </a:fld>
             <a:endParaRPr lang="pt-BR"/>
           </a:p>
@@ -481,7 +1481,7 @@
             <a:fld id="{F4448136-D4BD-40DD-93D0-3AD44E3A349C}" type="datetimeFigureOut">
               <a:rPr lang="pt-BR" smtClean="0"/>
               <a:pPr/>
-              <a:t>17/11/2014</a:t>
+              <a:t>19/11/2014</a:t>
             </a:fld>
             <a:endParaRPr lang="pt-BR"/>
           </a:p>
@@ -524,7 +1524,7 @@
             <a:fld id="{CB49BECD-ADCE-4BA6-928B-AFA5749442EB}" type="slidenum">
               <a:rPr lang="pt-BR" smtClean="0"/>
               <a:pPr/>
-              <a:t>‹nº›</a:t>
+              <a:t>‹#›</a:t>
             </a:fld>
             <a:endParaRPr lang="pt-BR"/>
           </a:p>
@@ -658,7 +1658,7 @@
             <a:fld id="{F4448136-D4BD-40DD-93D0-3AD44E3A349C}" type="datetimeFigureOut">
               <a:rPr lang="pt-BR" smtClean="0"/>
               <a:pPr/>
-              <a:t>17/11/2014</a:t>
+              <a:t>19/11/2014</a:t>
             </a:fld>
             <a:endParaRPr lang="pt-BR"/>
           </a:p>
@@ -701,7 +1701,7 @@
             <a:fld id="{CB49BECD-ADCE-4BA6-928B-AFA5749442EB}" type="slidenum">
               <a:rPr lang="pt-BR" smtClean="0"/>
               <a:pPr/>
-              <a:t>‹nº›</a:t>
+              <a:t>‹#›</a:t>
             </a:fld>
             <a:endParaRPr lang="pt-BR"/>
           </a:p>
@@ -825,7 +1825,7 @@
             <a:fld id="{F4448136-D4BD-40DD-93D0-3AD44E3A349C}" type="datetimeFigureOut">
               <a:rPr lang="pt-BR" smtClean="0"/>
               <a:pPr/>
-              <a:t>17/11/2014</a:t>
+              <a:t>19/11/2014</a:t>
             </a:fld>
             <a:endParaRPr lang="pt-BR"/>
           </a:p>
@@ -868,7 +1868,7 @@
             <a:fld id="{CB49BECD-ADCE-4BA6-928B-AFA5749442EB}" type="slidenum">
               <a:rPr lang="pt-BR" smtClean="0"/>
               <a:pPr/>
-              <a:t>‹nº›</a:t>
+              <a:t>‹#›</a:t>
             </a:fld>
             <a:endParaRPr lang="pt-BR"/>
           </a:p>
@@ -1068,7 +2068,7 @@
             <a:fld id="{F4448136-D4BD-40DD-93D0-3AD44E3A349C}" type="datetimeFigureOut">
               <a:rPr lang="pt-BR" smtClean="0"/>
               <a:pPr/>
-              <a:t>17/11/2014</a:t>
+              <a:t>19/11/2014</a:t>
             </a:fld>
             <a:endParaRPr lang="pt-BR"/>
           </a:p>
@@ -1111,7 +2111,7 @@
             <a:fld id="{CB49BECD-ADCE-4BA6-928B-AFA5749442EB}" type="slidenum">
               <a:rPr lang="pt-BR" smtClean="0"/>
               <a:pPr/>
-              <a:t>‹nº›</a:t>
+              <a:t>‹#›</a:t>
             </a:fld>
             <a:endParaRPr lang="pt-BR"/>
           </a:p>
@@ -1353,7 +2353,7 @@
             <a:fld id="{F4448136-D4BD-40DD-93D0-3AD44E3A349C}" type="datetimeFigureOut">
               <a:rPr lang="pt-BR" smtClean="0"/>
               <a:pPr/>
-              <a:t>17/11/2014</a:t>
+              <a:t>19/11/2014</a:t>
             </a:fld>
             <a:endParaRPr lang="pt-BR"/>
           </a:p>
@@ -1396,7 +2396,7 @@
             <a:fld id="{CB49BECD-ADCE-4BA6-928B-AFA5749442EB}" type="slidenum">
               <a:rPr lang="pt-BR" smtClean="0"/>
               <a:pPr/>
-              <a:t>‹nº›</a:t>
+              <a:t>‹#›</a:t>
             </a:fld>
             <a:endParaRPr lang="pt-BR"/>
           </a:p>
@@ -1772,7 +2772,7 @@
             <a:fld id="{F4448136-D4BD-40DD-93D0-3AD44E3A349C}" type="datetimeFigureOut">
               <a:rPr lang="pt-BR" smtClean="0"/>
               <a:pPr/>
-              <a:t>17/11/2014</a:t>
+              <a:t>19/11/2014</a:t>
             </a:fld>
             <a:endParaRPr lang="pt-BR"/>
           </a:p>
@@ -1815,7 +2815,7 @@
             <a:fld id="{CB49BECD-ADCE-4BA6-928B-AFA5749442EB}" type="slidenum">
               <a:rPr lang="pt-BR" smtClean="0"/>
               <a:pPr/>
-              <a:t>‹nº›</a:t>
+              <a:t>‹#›</a:t>
             </a:fld>
             <a:endParaRPr lang="pt-BR"/>
           </a:p>
@@ -1887,7 +2887,7 @@
             <a:fld id="{F4448136-D4BD-40DD-93D0-3AD44E3A349C}" type="datetimeFigureOut">
               <a:rPr lang="pt-BR" smtClean="0"/>
               <a:pPr/>
-              <a:t>17/11/2014</a:t>
+              <a:t>19/11/2014</a:t>
             </a:fld>
             <a:endParaRPr lang="pt-BR"/>
           </a:p>
@@ -1930,7 +2930,7 @@
             <a:fld id="{CB49BECD-ADCE-4BA6-928B-AFA5749442EB}" type="slidenum">
               <a:rPr lang="pt-BR" smtClean="0"/>
               <a:pPr/>
-              <a:t>‹nº›</a:t>
+              <a:t>‹#›</a:t>
             </a:fld>
             <a:endParaRPr lang="pt-BR"/>
           </a:p>
@@ -1979,7 +2979,7 @@
             <a:fld id="{F4448136-D4BD-40DD-93D0-3AD44E3A349C}" type="datetimeFigureOut">
               <a:rPr lang="pt-BR" smtClean="0"/>
               <a:pPr/>
-              <a:t>17/11/2014</a:t>
+              <a:t>19/11/2014</a:t>
             </a:fld>
             <a:endParaRPr lang="pt-BR"/>
           </a:p>
@@ -2022,7 +3022,7 @@
             <a:fld id="{CB49BECD-ADCE-4BA6-928B-AFA5749442EB}" type="slidenum">
               <a:rPr lang="pt-BR" smtClean="0"/>
               <a:pPr/>
-              <a:t>‹nº›</a:t>
+              <a:t>‹#›</a:t>
             </a:fld>
             <a:endParaRPr lang="pt-BR"/>
           </a:p>
@@ -2253,7 +3253,7 @@
             <a:fld id="{F4448136-D4BD-40DD-93D0-3AD44E3A349C}" type="datetimeFigureOut">
               <a:rPr lang="pt-BR" smtClean="0"/>
               <a:pPr/>
-              <a:t>17/11/2014</a:t>
+              <a:t>19/11/2014</a:t>
             </a:fld>
             <a:endParaRPr lang="pt-BR"/>
           </a:p>
@@ -2296,7 +3296,7 @@
             <a:fld id="{CB49BECD-ADCE-4BA6-928B-AFA5749442EB}" type="slidenum">
               <a:rPr lang="pt-BR" smtClean="0"/>
               <a:pPr/>
-              <a:t>‹nº›</a:t>
+              <a:t>‹#›</a:t>
             </a:fld>
             <a:endParaRPr lang="pt-BR"/>
           </a:p>
@@ -2503,7 +3503,7 @@
             <a:fld id="{F4448136-D4BD-40DD-93D0-3AD44E3A349C}" type="datetimeFigureOut">
               <a:rPr lang="pt-BR" smtClean="0"/>
               <a:pPr/>
-              <a:t>17/11/2014</a:t>
+              <a:t>19/11/2014</a:t>
             </a:fld>
             <a:endParaRPr lang="pt-BR"/>
           </a:p>
@@ -2546,7 +3546,7 @@
             <a:fld id="{CB49BECD-ADCE-4BA6-928B-AFA5749442EB}" type="slidenum">
               <a:rPr lang="pt-BR" smtClean="0"/>
               <a:pPr/>
-              <a:t>‹nº›</a:t>
+              <a:t>‹#›</a:t>
             </a:fld>
             <a:endParaRPr lang="pt-BR"/>
           </a:p>
@@ -2713,7 +3713,7 @@
             <a:fld id="{F4448136-D4BD-40DD-93D0-3AD44E3A349C}" type="datetimeFigureOut">
               <a:rPr lang="pt-BR" smtClean="0"/>
               <a:pPr/>
-              <a:t>17/11/2014</a:t>
+              <a:t>19/11/2014</a:t>
             </a:fld>
             <a:endParaRPr lang="pt-BR"/>
           </a:p>
@@ -2792,7 +3792,7 @@
             <a:fld id="{CB49BECD-ADCE-4BA6-928B-AFA5749442EB}" type="slidenum">
               <a:rPr lang="pt-BR" smtClean="0"/>
               <a:pPr/>
-              <a:t>‹nº›</a:t>
+              <a:t>‹#›</a:t>
             </a:fld>
             <a:endParaRPr lang="pt-BR"/>
           </a:p>
@@ -3203,6 +4203,373 @@
       </p:grpSpPr>
       <p:pic>
         <p:nvPicPr>
+          <p:cNvPr id="7" name="Espaço Reservado para Conteúdo 6" descr="Nova140722(ppt_novaroma)B-2.jpg"/>
+          <p:cNvPicPr>
+            <a:picLocks noGrp="1" noChangeAspect="1"/>
+          </p:cNvPicPr>
+          <p:nvPr>
+            <p:ph idx="1"/>
+          </p:nvPr>
+        </p:nvPicPr>
+        <p:blipFill>
+          <a:blip r:embed="rId2" cstate="print"/>
+          <a:stretch>
+            <a:fillRect/>
+          </a:stretch>
+        </p:blipFill>
+        <p:spPr>
+          <a:xfrm>
+            <a:off x="0" y="0"/>
+            <a:ext cx="9144000" cy="6858000"/>
+          </a:xfrm>
+        </p:spPr>
+      </p:pic>
+      <p:sp>
+        <p:nvSpPr>
+          <p:cNvPr id="2" name="Título 1"/>
+          <p:cNvSpPr>
+            <a:spLocks noGrp="1"/>
+          </p:cNvSpPr>
+          <p:nvPr>
+            <p:ph type="title"/>
+          </p:nvPr>
+        </p:nvSpPr>
+        <p:spPr>
+          <a:xfrm>
+            <a:off x="714348" y="357166"/>
+            <a:ext cx="5214974" cy="642942"/>
+          </a:xfrm>
+        </p:spPr>
+        <p:txBody>
+          <a:bodyPr>
+            <a:normAutofit/>
+          </a:bodyPr>
+          <a:lstStyle/>
+          <a:p>
+            <a:pPr algn="l"/>
+            <a:r>
+              <a:rPr lang="pt-BR" sz="2800" dirty="0" smtClean="0">
+                <a:solidFill>
+                  <a:schemeClr val="bg1"/>
+                </a:solidFill>
+              </a:rPr>
+              <a:t>Gráfico Geral dos Resultados</a:t>
+            </a:r>
+            <a:endParaRPr lang="pt-BR" sz="2800" dirty="0">
+              <a:solidFill>
+                <a:schemeClr val="bg1"/>
+              </a:solidFill>
+            </a:endParaRPr>
+          </a:p>
+        </p:txBody>
+      </p:sp>
+      <p:graphicFrame>
+        <p:nvGraphicFramePr>
+          <p:cNvPr id="3" name="Chart 2"/>
+          <p:cNvGraphicFramePr/>
+          <p:nvPr>
+            <p:extLst>
+              <p:ext uri="{D42A27DB-BD31-4B8C-83A1-F6EECF244321}">
+                <p14:modId xmlns:p14="http://schemas.microsoft.com/office/powerpoint/2010/main" val="1170561658"/>
+              </p:ext>
+            </p:extLst>
+          </p:nvPr>
+        </p:nvGraphicFramePr>
+        <p:xfrm>
+          <a:off x="1331640" y="1340768"/>
+          <a:ext cx="6720408" cy="4696296"/>
+        </p:xfrm>
+        <a:graphic>
+          <a:graphicData uri="http://schemas.openxmlformats.org/drawingml/2006/chart">
+            <c:chart xmlns:c="http://schemas.openxmlformats.org/drawingml/2006/chart" xmlns:r="http://schemas.openxmlformats.org/officeDocument/2006/relationships" r:id="rId3"/>
+          </a:graphicData>
+        </a:graphic>
+      </p:graphicFrame>
+    </p:spTree>
+    <p:extLst>
+      <p:ext uri="{BB962C8B-B14F-4D97-AF65-F5344CB8AC3E}">
+        <p14:creationId xmlns:p14="http://schemas.microsoft.com/office/powerpoint/2010/main" val="1670482330"/>
+      </p:ext>
+    </p:extLst>
+  </p:cSld>
+  <p:clrMapOvr>
+    <a:masterClrMapping/>
+  </p:clrMapOvr>
+  <p:timing>
+    <p:tnLst>
+      <p:par>
+        <p:cTn id="1" dur="indefinite" restart="never" nodeType="tmRoot"/>
+      </p:par>
+    </p:tnLst>
+  </p:timing>
+</p:sld>
+</file>
+
+<file path=ppt/slides/slide11.xml><?xml version="1.0" encoding="utf-8"?>
+<p:sld xmlns:a="http://schemas.openxmlformats.org/drawingml/2006/main" xmlns:r="http://schemas.openxmlformats.org/officeDocument/2006/relationships" xmlns:p="http://schemas.openxmlformats.org/presentationml/2006/main">
+  <p:cSld>
+    <p:spTree>
+      <p:nvGrpSpPr>
+        <p:cNvPr id="1" name=""/>
+        <p:cNvGrpSpPr/>
+        <p:nvPr/>
+      </p:nvGrpSpPr>
+      <p:grpSpPr>
+        <a:xfrm>
+          <a:off x="0" y="0"/>
+          <a:ext cx="0" cy="0"/>
+          <a:chOff x="0" y="0"/>
+          <a:chExt cx="0" cy="0"/>
+        </a:xfrm>
+      </p:grpSpPr>
+      <p:pic>
+        <p:nvPicPr>
+          <p:cNvPr id="7" name="Espaço Reservado para Conteúdo 6" descr="Nova140722(ppt_novaroma)B-2.jpg"/>
+          <p:cNvPicPr>
+            <a:picLocks noGrp="1" noChangeAspect="1"/>
+          </p:cNvPicPr>
+          <p:nvPr>
+            <p:ph idx="1"/>
+          </p:nvPr>
+        </p:nvPicPr>
+        <p:blipFill>
+          <a:blip r:embed="rId2" cstate="print"/>
+          <a:stretch>
+            <a:fillRect/>
+          </a:stretch>
+        </p:blipFill>
+        <p:spPr>
+          <a:xfrm>
+            <a:off x="0" y="0"/>
+            <a:ext cx="9144000" cy="6858000"/>
+          </a:xfrm>
+        </p:spPr>
+      </p:pic>
+      <p:sp>
+        <p:nvSpPr>
+          <p:cNvPr id="2" name="Título 1"/>
+          <p:cNvSpPr>
+            <a:spLocks noGrp="1"/>
+          </p:cNvSpPr>
+          <p:nvPr>
+            <p:ph type="title"/>
+          </p:nvPr>
+        </p:nvSpPr>
+        <p:spPr>
+          <a:xfrm>
+            <a:off x="714348" y="357166"/>
+            <a:ext cx="5214974" cy="642942"/>
+          </a:xfrm>
+        </p:spPr>
+        <p:txBody>
+          <a:bodyPr>
+            <a:normAutofit/>
+          </a:bodyPr>
+          <a:lstStyle/>
+          <a:p>
+            <a:pPr algn="l"/>
+            <a:r>
+              <a:rPr lang="pt-BR" sz="2300" dirty="0" smtClean="0">
+                <a:solidFill>
+                  <a:schemeClr val="bg1"/>
+                </a:solidFill>
+              </a:rPr>
+              <a:t>Ambiente de teste</a:t>
+            </a:r>
+            <a:endParaRPr lang="pt-BR" sz="2300" dirty="0">
+              <a:solidFill>
+                <a:schemeClr val="bg1"/>
+              </a:solidFill>
+            </a:endParaRPr>
+          </a:p>
+        </p:txBody>
+      </p:sp>
+      <p:sp>
+        <p:nvSpPr>
+          <p:cNvPr id="5" name="CaixaDeTexto 4"/>
+          <p:cNvSpPr txBox="1"/>
+          <p:nvPr/>
+        </p:nvSpPr>
+        <p:spPr>
+          <a:xfrm>
+            <a:off x="1043608" y="1762183"/>
+            <a:ext cx="6929486" cy="4524315"/>
+          </a:xfrm>
+          <a:prstGeom prst="rect">
+            <a:avLst/>
+          </a:prstGeom>
+          <a:noFill/>
+        </p:spPr>
+        <p:txBody>
+          <a:bodyPr wrap="square" rtlCol="0">
+            <a:spAutoFit/>
+          </a:bodyPr>
+          <a:lstStyle/>
+          <a:p>
+            <a:pPr marL="342900" indent="-342900" algn="just">
+              <a:lnSpc>
+                <a:spcPct val="150000"/>
+              </a:lnSpc>
+              <a:buFont typeface="Arial" panose="020B0604020202020204" pitchFamily="34" charset="0"/>
+              <a:buChar char="•"/>
+            </a:pPr>
+            <a:r>
+              <a:rPr lang="pt-BR" dirty="0" smtClean="0"/>
+              <a:t>Foram utilizadas as seguintes ferramentas:</a:t>
+            </a:r>
+          </a:p>
+          <a:p>
+            <a:pPr marL="800100" lvl="1" indent="-342900" algn="just">
+              <a:lnSpc>
+                <a:spcPct val="150000"/>
+              </a:lnSpc>
+              <a:buFont typeface="+mj-lt"/>
+              <a:buAutoNum type="arabicPeriod"/>
+            </a:pPr>
+            <a:r>
+              <a:rPr lang="pt-BR" dirty="0" smtClean="0"/>
+              <a:t>Microsoft Word, Excel e PowerPoint 2013, para elaboração de plano, projeto</a:t>
+            </a:r>
+            <a:r>
+              <a:rPr lang="pt-BR" dirty="0"/>
+              <a:t> </a:t>
+            </a:r>
+            <a:r>
+              <a:rPr lang="pt-BR" dirty="0" smtClean="0"/>
+              <a:t>e avaliação dos testes, além de outros documentos, como o de solicitação de mudanças;</a:t>
+            </a:r>
+          </a:p>
+          <a:p>
+            <a:pPr marL="800100" lvl="1" indent="-342900" algn="just">
+              <a:lnSpc>
+                <a:spcPct val="150000"/>
+              </a:lnSpc>
+              <a:buFont typeface="+mj-lt"/>
+              <a:buAutoNum type="arabicPeriod"/>
+            </a:pPr>
+            <a:r>
+              <a:rPr lang="pt-BR" dirty="0" err="1" smtClean="0"/>
+              <a:t>GitHub</a:t>
+            </a:r>
+            <a:r>
+              <a:rPr lang="pt-BR" dirty="0" smtClean="0"/>
+              <a:t> na sua versão para desktop , para o gerenciamento de configuração dos documentos utilizados.</a:t>
+            </a:r>
+            <a:endParaRPr lang="pt-BR" dirty="0"/>
+          </a:p>
+          <a:p>
+            <a:pPr algn="just">
+              <a:lnSpc>
+                <a:spcPct val="150000"/>
+              </a:lnSpc>
+            </a:pPr>
+            <a:endParaRPr lang="pt-BR" dirty="0"/>
+          </a:p>
+          <a:p>
+            <a:pPr marL="342900" indent="-342900" algn="just">
+              <a:lnSpc>
+                <a:spcPct val="150000"/>
+              </a:lnSpc>
+              <a:buFont typeface="Arial" panose="020B0604020202020204" pitchFamily="34" charset="0"/>
+              <a:buChar char="•"/>
+            </a:pPr>
+            <a:r>
+              <a:rPr lang="pt-BR" dirty="0" smtClean="0"/>
+              <a:t>Foram necessários os seguintes componentes:</a:t>
+            </a:r>
+          </a:p>
+          <a:p>
+            <a:pPr marL="800100" lvl="1" indent="-342900" algn="just">
+              <a:lnSpc>
+                <a:spcPct val="150000"/>
+              </a:lnSpc>
+              <a:buFont typeface="+mj-lt"/>
+              <a:buAutoNum type="arabicPeriod"/>
+            </a:pPr>
+            <a:r>
+              <a:rPr lang="pt-BR" dirty="0" smtClean="0"/>
+              <a:t>Notebook com Windows 8 </a:t>
+            </a:r>
+            <a:r>
+              <a:rPr lang="pt-BR" dirty="0" smtClean="0"/>
+              <a:t>instalado e </a:t>
+            </a:r>
+            <a:r>
+              <a:rPr lang="pt-BR" dirty="0" smtClean="0"/>
+              <a:t>java 8;</a:t>
+            </a:r>
+          </a:p>
+          <a:p>
+            <a:pPr marL="800100" lvl="1" indent="-342900" algn="just">
+              <a:lnSpc>
+                <a:spcPct val="150000"/>
+              </a:lnSpc>
+              <a:buFont typeface="+mj-lt"/>
+              <a:buAutoNum type="arabicPeriod"/>
+            </a:pPr>
+            <a:r>
+              <a:rPr lang="pt-BR" dirty="0" smtClean="0"/>
+              <a:t>Desktop com Windows 7 </a:t>
+            </a:r>
+            <a:r>
+              <a:rPr lang="pt-BR" dirty="0" smtClean="0"/>
+              <a:t>instalado e java </a:t>
+            </a:r>
+            <a:r>
+              <a:rPr lang="pt-BR" dirty="0" smtClean="0"/>
+              <a:t>8</a:t>
+            </a:r>
+            <a:r>
+              <a:rPr lang="pt-BR" dirty="0" smtClean="0"/>
+              <a:t>;</a:t>
+            </a:r>
+            <a:endParaRPr lang="pt-BR" dirty="0" smtClean="0"/>
+          </a:p>
+          <a:p>
+            <a:pPr lvl="1" algn="just"/>
+            <a:endParaRPr lang="pt-BR" dirty="0" smtClean="0"/>
+          </a:p>
+        </p:txBody>
+      </p:sp>
+    </p:spTree>
+    <p:extLst>
+      <p:ext uri="{BB962C8B-B14F-4D97-AF65-F5344CB8AC3E}">
+        <p14:creationId xmlns:p14="http://schemas.microsoft.com/office/powerpoint/2010/main" val="385561133"/>
+      </p:ext>
+    </p:extLst>
+  </p:cSld>
+  <p:clrMapOvr>
+    <a:masterClrMapping/>
+  </p:clrMapOvr>
+  <p:timing>
+    <p:tnLst>
+      <p:par>
+        <p:cTn id="1" dur="indefinite" restart="never" nodeType="tmRoot"/>
+      </p:par>
+    </p:tnLst>
+  </p:timing>
+</p:sld>
+</file>
+
+<file path=ppt/slides/slide12.xml><?xml version="1.0" encoding="utf-8"?>
+<p:sld xmlns:a="http://schemas.openxmlformats.org/drawingml/2006/main" xmlns:r="http://schemas.openxmlformats.org/officeDocument/2006/relationships" xmlns:p="http://schemas.openxmlformats.org/presentationml/2006/main">
+  <p:cSld>
+    <p:spTree>
+      <p:nvGrpSpPr>
+        <p:cNvPr id="1" name=""/>
+        <p:cNvGrpSpPr/>
+        <p:nvPr/>
+      </p:nvGrpSpPr>
+      <p:grpSpPr>
+        <a:xfrm>
+          <a:off x="0" y="0"/>
+          <a:ext cx="0" cy="0"/>
+          <a:chOff x="0" y="0"/>
+          <a:chExt cx="0" cy="0"/>
+        </a:xfrm>
+      </p:grpSpPr>
+      <p:pic>
+        <p:nvPicPr>
           <p:cNvPr id="2" name="Imagem 1" descr="Nova140722(ppt_novaroma)B-3.jpg"/>
           <p:cNvPicPr>
             <a:picLocks noChangeAspect="1"/>
@@ -3328,7 +4695,7 @@
         <p:spPr>
           <a:xfrm>
             <a:off x="928662" y="1714488"/>
-            <a:ext cx="7715304" cy="1200329"/>
+            <a:ext cx="7715304" cy="2542363"/>
           </a:xfrm>
           <a:prstGeom prst="rect">
             <a:avLst/>
@@ -3342,6 +4709,9 @@
           <a:lstStyle/>
           <a:p>
             <a:pPr marL="285750" indent="-285750">
+              <a:lnSpc>
+                <a:spcPct val="150000"/>
+              </a:lnSpc>
               <a:buFont typeface="Arial" panose="020B0604020202020204" pitchFamily="34" charset="0"/>
               <a:buChar char="•"/>
             </a:pPr>
@@ -3349,22 +4719,70 @@
               <a:rPr lang="pt-BR" b="1" dirty="0" smtClean="0"/>
               <a:t>Nome: </a:t>
             </a:r>
+            <a:endParaRPr lang="pt-BR" b="1" dirty="0"/>
+          </a:p>
+          <a:p>
+            <a:pPr>
+              <a:lnSpc>
+                <a:spcPct val="150000"/>
+              </a:lnSpc>
+            </a:pPr>
+            <a:r>
+              <a:rPr lang="pt-BR" b="1" dirty="0" smtClean="0"/>
+              <a:t>	</a:t>
+            </a:r>
             <a:r>
               <a:rPr lang="pt-BR" dirty="0" smtClean="0"/>
               <a:t>JOGA</a:t>
             </a:r>
-          </a:p>
-          <a:p>
             <a:endParaRPr lang="pt-BR" dirty="0" smtClean="0"/>
           </a:p>
           <a:p>
+            <a:pPr>
+              <a:lnSpc>
+                <a:spcPct val="150000"/>
+              </a:lnSpc>
+            </a:pPr>
+            <a:endParaRPr lang="pt-BR" dirty="0" smtClean="0"/>
+          </a:p>
+          <a:p>
             <a:pPr marL="285750" indent="-285750">
+              <a:lnSpc>
+                <a:spcPct val="150000"/>
+              </a:lnSpc>
               <a:buFont typeface="Arial" panose="020B0604020202020204" pitchFamily="34" charset="0"/>
               <a:buChar char="•"/>
             </a:pPr>
             <a:r>
+              <a:rPr lang="pt-BR" b="1" dirty="0" smtClean="0"/>
+              <a:t>Definição: </a:t>
+            </a:r>
+          </a:p>
+          <a:p>
+            <a:pPr>
+              <a:lnSpc>
+                <a:spcPct val="150000"/>
+              </a:lnSpc>
+            </a:pPr>
+            <a:r>
+              <a:rPr lang="pt-BR" b="1" dirty="0"/>
+              <a:t>	</a:t>
+            </a:r>
+            <a:r>
               <a:rPr lang="pt-BR" dirty="0" smtClean="0"/>
-              <a:t>Sistema que cria jogos de tabuleiros de acordo com configurações escolhidas pelo usuário.</a:t>
+              <a:t>Sistema </a:t>
+            </a:r>
+            <a:r>
+              <a:rPr lang="pt-BR" dirty="0" smtClean="0"/>
+              <a:t>que cria jogos de tabuleiros de acordo com </a:t>
+            </a:r>
+            <a:r>
+              <a:rPr lang="pt-BR" dirty="0" smtClean="0"/>
+              <a:t>as configurações </a:t>
+            </a:r>
+            <a:r>
+              <a:rPr lang="pt-BR" dirty="0" smtClean="0"/>
+              <a:t>escolhidas pelo usuário.</a:t>
             </a:r>
             <a:endParaRPr lang="pt-BR" dirty="0"/>
           </a:p>
@@ -3473,7 +4891,7 @@
         <p:spPr>
           <a:xfrm>
             <a:off x="1000100" y="1785926"/>
-            <a:ext cx="7215238" cy="1754326"/>
+            <a:ext cx="7215238" cy="4247317"/>
           </a:xfrm>
           <a:prstGeom prst="rect">
             <a:avLst/>
@@ -3487,6 +4905,9 @@
           <a:lstStyle/>
           <a:p>
             <a:pPr marL="285750" indent="-285750">
+              <a:lnSpc>
+                <a:spcPct val="150000"/>
+              </a:lnSpc>
               <a:buFont typeface="Arial" panose="020B0604020202020204" pitchFamily="34" charset="0"/>
               <a:buChar char="•"/>
             </a:pPr>
@@ -3497,6 +4918,9 @@
           </a:p>
           <a:p>
             <a:pPr>
+              <a:lnSpc>
+                <a:spcPct val="150000"/>
+              </a:lnSpc>
               <a:buFont typeface="Arial" pitchFamily="34" charset="0"/>
               <a:buChar char="•"/>
             </a:pPr>
@@ -3504,44 +4928,142 @@
           </a:p>
           <a:p>
             <a:pPr marL="742950" lvl="1" indent="-285750">
+              <a:lnSpc>
+                <a:spcPct val="150000"/>
+              </a:lnSpc>
               <a:buFont typeface="Arial" panose="020B0604020202020204" pitchFamily="34" charset="0"/>
               <a:buChar char="•"/>
             </a:pPr>
             <a:r>
               <a:rPr lang="pt-BR" dirty="0" smtClean="0"/>
-              <a:t>Módulo 1: Cadastrar</a:t>
-            </a:r>
+              <a:t>Módulo </a:t>
+            </a:r>
+            <a:r>
+              <a:rPr lang="pt-BR" dirty="0" smtClean="0"/>
+              <a:t>1: </a:t>
+            </a:r>
+          </a:p>
+          <a:p>
+            <a:pPr lvl="1">
+              <a:lnSpc>
+                <a:spcPct val="150000"/>
+              </a:lnSpc>
+            </a:pPr>
+            <a:r>
+              <a:rPr lang="pt-BR" dirty="0"/>
+              <a:t>	</a:t>
+            </a:r>
+            <a:r>
+              <a:rPr lang="pt-BR" dirty="0" smtClean="0"/>
+              <a:t>	</a:t>
+            </a:r>
+            <a:r>
+              <a:rPr lang="pt-BR" i="1" dirty="0" smtClean="0"/>
+              <a:t>Cadastrar</a:t>
+            </a:r>
+            <a:endParaRPr lang="pt-BR" i="1" dirty="0" smtClean="0"/>
           </a:p>
           <a:p>
             <a:pPr marL="742950" lvl="1" indent="-285750">
+              <a:lnSpc>
+                <a:spcPct val="150000"/>
+              </a:lnSpc>
               <a:buFont typeface="Arial" panose="020B0604020202020204" pitchFamily="34" charset="0"/>
               <a:buChar char="•"/>
             </a:pPr>
             <a:r>
               <a:rPr lang="pt-BR" dirty="0" smtClean="0"/>
-              <a:t>Módulo 2:  Alterar</a:t>
-            </a:r>
+              <a:t>Módulo 2:  </a:t>
+            </a:r>
+            <a:endParaRPr lang="pt-BR" dirty="0" smtClean="0"/>
+          </a:p>
+          <a:p>
+            <a:pPr lvl="1">
+              <a:lnSpc>
+                <a:spcPct val="150000"/>
+              </a:lnSpc>
+            </a:pPr>
+            <a:r>
+              <a:rPr lang="pt-BR" dirty="0"/>
+              <a:t>	</a:t>
+            </a:r>
+            <a:r>
+              <a:rPr lang="pt-BR" dirty="0" smtClean="0"/>
+              <a:t>	</a:t>
+            </a:r>
+            <a:r>
+              <a:rPr lang="pt-BR" i="1" dirty="0" smtClean="0"/>
+              <a:t>Alterar</a:t>
+            </a:r>
+            <a:endParaRPr lang="pt-BR" i="1" dirty="0" smtClean="0"/>
           </a:p>
           <a:p>
             <a:pPr marL="742950" lvl="1" indent="-285750">
+              <a:lnSpc>
+                <a:spcPct val="150000"/>
+              </a:lnSpc>
               <a:buFont typeface="Arial" panose="020B0604020202020204" pitchFamily="34" charset="0"/>
               <a:buChar char="•"/>
             </a:pPr>
             <a:r>
               <a:rPr lang="pt-BR" dirty="0" smtClean="0"/>
-              <a:t>Módulo 3 : Excluir</a:t>
-            </a:r>
+              <a:t>Módulo 3 : </a:t>
+            </a:r>
+            <a:endParaRPr lang="pt-BR" dirty="0" smtClean="0"/>
+          </a:p>
+          <a:p>
+            <a:pPr lvl="1">
+              <a:lnSpc>
+                <a:spcPct val="150000"/>
+              </a:lnSpc>
+            </a:pPr>
+            <a:r>
+              <a:rPr lang="pt-BR" dirty="0"/>
+              <a:t>	</a:t>
+            </a:r>
+            <a:r>
+              <a:rPr lang="pt-BR" dirty="0" smtClean="0"/>
+              <a:t>	</a:t>
+            </a:r>
+            <a:r>
+              <a:rPr lang="pt-BR" i="1" dirty="0" smtClean="0"/>
+              <a:t>Excluir</a:t>
+            </a:r>
+            <a:endParaRPr lang="pt-BR" i="1" dirty="0" smtClean="0"/>
           </a:p>
           <a:p>
             <a:pPr marL="742950" lvl="1" indent="-285750">
+              <a:lnSpc>
+                <a:spcPct val="150000"/>
+              </a:lnSpc>
               <a:buFont typeface="Arial" panose="020B0604020202020204" pitchFamily="34" charset="0"/>
               <a:buChar char="•"/>
             </a:pPr>
             <a:r>
               <a:rPr lang="pt-BR" dirty="0" smtClean="0"/>
-              <a:t>Módulo 4: Buscar</a:t>
-            </a:r>
-            <a:endParaRPr lang="pt-BR" dirty="0"/>
+              <a:t>Módulo 4: </a:t>
+            </a:r>
+            <a:endParaRPr lang="pt-BR" dirty="0" smtClean="0"/>
+          </a:p>
+          <a:p>
+            <a:pPr lvl="1">
+              <a:lnSpc>
+                <a:spcPct val="150000"/>
+              </a:lnSpc>
+            </a:pPr>
+            <a:r>
+              <a:rPr lang="pt-BR" dirty="0"/>
+              <a:t>	</a:t>
+            </a:r>
+            <a:r>
+              <a:rPr lang="pt-BR" dirty="0" smtClean="0"/>
+              <a:t>	</a:t>
+            </a:r>
+            <a:r>
+              <a:rPr lang="pt-BR" i="1" dirty="0" smtClean="0"/>
+              <a:t>Buscar</a:t>
+            </a:r>
+            <a:endParaRPr lang="pt-BR" i="1" dirty="0"/>
           </a:p>
         </p:txBody>
       </p:sp>
@@ -3613,25 +5135,41 @@
         <p:spPr>
           <a:xfrm>
             <a:off x="714348" y="357166"/>
-            <a:ext cx="5214974" cy="642942"/>
+            <a:ext cx="5441828" cy="642942"/>
           </a:xfrm>
         </p:spPr>
         <p:txBody>
           <a:bodyPr>
-            <a:normAutofit/>
+            <a:noAutofit/>
           </a:bodyPr>
           <a:lstStyle/>
           <a:p>
             <a:pPr algn="l"/>
             <a:r>
-              <a:rPr lang="pt-BR" sz="2300" dirty="0" smtClean="0">
+              <a:rPr lang="pt-BR" sz="2800" dirty="0" smtClean="0">
                 <a:solidFill>
                   <a:schemeClr val="bg1"/>
                 </a:solidFill>
               </a:rPr>
-              <a:t>Procedimentos e tipos de teste aplicados</a:t>
-            </a:r>
-            <a:endParaRPr lang="pt-BR" sz="2300" dirty="0">
+              <a:t>Procedimentos </a:t>
+            </a:r>
+            <a:r>
+              <a:rPr lang="pt-BR" sz="2800" dirty="0" smtClean="0">
+                <a:solidFill>
+                  <a:schemeClr val="bg1"/>
+                </a:solidFill>
+              </a:rPr>
+              <a:t>A</a:t>
+            </a:r>
+            <a:r>
+              <a:rPr lang="pt-BR" sz="2800" dirty="0" smtClean="0">
+                <a:solidFill>
+                  <a:schemeClr val="bg1"/>
+                </a:solidFill>
+              </a:rPr>
+              <a:t>plicados</a:t>
+            </a:r>
+            <a:endParaRPr lang="pt-BR" sz="2800" dirty="0">
               <a:solidFill>
                 <a:schemeClr val="bg1"/>
               </a:solidFill>
@@ -3648,7 +5186,7 @@
         <p:spPr>
           <a:xfrm>
             <a:off x="1115616" y="1857364"/>
-            <a:ext cx="6929486" cy="2308324"/>
+            <a:ext cx="6929486" cy="3416320"/>
           </a:xfrm>
           <a:prstGeom prst="rect">
             <a:avLst/>
@@ -3661,6 +5199,13 @@
           </a:bodyPr>
           <a:lstStyle/>
           <a:p>
+            <a:pPr marL="285750" indent="-285750">
+              <a:lnSpc>
+                <a:spcPct val="150000"/>
+              </a:lnSpc>
+              <a:buFont typeface="Arial" pitchFamily="34" charset="0"/>
+              <a:buChar char="•"/>
+            </a:pPr>
             <a:r>
               <a:rPr lang="pt-BR" b="1" dirty="0" smtClean="0"/>
               <a:t>Foram aplicados os seguintes tipos de testes</a:t>
@@ -3671,10 +5216,18 @@
             </a:r>
           </a:p>
           <a:p>
+            <a:pPr>
+              <a:lnSpc>
+                <a:spcPct val="150000"/>
+              </a:lnSpc>
+            </a:pPr>
             <a:endParaRPr lang="pt-BR" dirty="0" smtClean="0"/>
           </a:p>
           <a:p>
             <a:pPr marL="342900" indent="-342900">
+              <a:lnSpc>
+                <a:spcPct val="150000"/>
+              </a:lnSpc>
               <a:buFont typeface="+mj-lt"/>
               <a:buAutoNum type="arabicPeriod"/>
             </a:pPr>
@@ -3685,72 +5238,67 @@
           </a:p>
           <a:p>
             <a:pPr marL="342900" indent="-342900">
+              <a:lnSpc>
+                <a:spcPct val="150000"/>
+              </a:lnSpc>
               <a:buFont typeface="+mj-lt"/>
               <a:buAutoNum type="arabicPeriod"/>
             </a:pPr>
             <a:r>
               <a:rPr lang="pt-BR" dirty="0" smtClean="0"/>
-              <a:t>Teste </a:t>
-            </a:r>
-            <a:r>
-              <a:rPr lang="pt-BR" dirty="0" smtClean="0"/>
-              <a:t>Funcional</a:t>
+              <a:t>Teste Funcional</a:t>
             </a:r>
           </a:p>
           <a:p>
             <a:pPr marL="342900" indent="-342900">
+              <a:lnSpc>
+                <a:spcPct val="150000"/>
+              </a:lnSpc>
               <a:buFont typeface="+mj-lt"/>
               <a:buAutoNum type="arabicPeriod"/>
             </a:pPr>
             <a:r>
               <a:rPr lang="pt-BR" dirty="0" smtClean="0"/>
-              <a:t>Teste </a:t>
-            </a:r>
-            <a:r>
-              <a:rPr lang="pt-BR" dirty="0" smtClean="0"/>
-              <a:t>da Interface do Usuário</a:t>
+              <a:t>Teste da Interface do Usuário</a:t>
             </a:r>
           </a:p>
           <a:p>
             <a:pPr marL="342900" indent="-342900">
+              <a:lnSpc>
+                <a:spcPct val="150000"/>
+              </a:lnSpc>
               <a:buFont typeface="+mj-lt"/>
               <a:buAutoNum type="arabicPeriod"/>
             </a:pPr>
             <a:r>
               <a:rPr lang="pt-BR" dirty="0" smtClean="0"/>
-              <a:t>Teste </a:t>
-            </a:r>
-            <a:r>
-              <a:rPr lang="pt-BR" dirty="0" smtClean="0"/>
-              <a:t>de Performance</a:t>
+              <a:t>Teste de Performance</a:t>
             </a:r>
           </a:p>
           <a:p>
             <a:pPr marL="342900" indent="-342900">
+              <a:lnSpc>
+                <a:spcPct val="150000"/>
+              </a:lnSpc>
               <a:buFont typeface="+mj-lt"/>
               <a:buAutoNum type="arabicPeriod"/>
             </a:pPr>
             <a:r>
               <a:rPr lang="pt-BR" dirty="0" smtClean="0"/>
-              <a:t>Teste </a:t>
-            </a:r>
-            <a:r>
-              <a:rPr lang="pt-BR" dirty="0" smtClean="0"/>
-              <a:t>de instalação</a:t>
+              <a:t>Teste de instalação</a:t>
             </a:r>
           </a:p>
           <a:p>
             <a:pPr marL="342900" indent="-342900">
+              <a:lnSpc>
+                <a:spcPct val="150000"/>
+              </a:lnSpc>
               <a:buFont typeface="+mj-lt"/>
               <a:buAutoNum type="arabicPeriod"/>
             </a:pPr>
             <a:r>
               <a:rPr lang="pt-BR" dirty="0" smtClean="0"/>
-              <a:t>Teste </a:t>
-            </a:r>
-            <a:r>
-              <a:rPr lang="pt-BR" dirty="0" smtClean="0"/>
-              <a:t>de configuração</a:t>
+              <a:t>Teste de configuração</a:t>
             </a:r>
           </a:p>
         </p:txBody>
@@ -3758,7 +5306,7 @@
     </p:spTree>
     <p:extLst>
       <p:ext uri="{BB962C8B-B14F-4D97-AF65-F5344CB8AC3E}">
-        <p14:creationId xmlns:p14="http://schemas.microsoft.com/office/powerpoint/2010/main" xmlns="" val="2159869430"/>
+        <p14:creationId xmlns:p14="http://schemas.microsoft.com/office/powerpoint/2010/main" val="2159869430"/>
       </p:ext>
     </p:extLst>
   </p:cSld>
@@ -3863,7 +5411,7 @@
         <p:spPr>
           <a:xfrm>
             <a:off x="1000100" y="1785926"/>
-            <a:ext cx="7215238" cy="2585323"/>
+            <a:ext cx="7215238" cy="3788858"/>
           </a:xfrm>
           <a:prstGeom prst="rect">
             <a:avLst/>
@@ -3876,89 +5424,173 @@
           </a:bodyPr>
           <a:lstStyle/>
           <a:p>
+            <a:pPr>
+              <a:lnSpc>
+                <a:spcPct val="150000"/>
+              </a:lnSpc>
+            </a:pPr>
             <a:r>
               <a:rPr lang="pt-BR" b="1" dirty="0" smtClean="0"/>
               <a:t>Casos de testes projetados: </a:t>
             </a:r>
             <a:r>
+              <a:rPr lang="pt-BR" b="1" dirty="0" smtClean="0"/>
+              <a:t>	</a:t>
+            </a:r>
+            <a:r>
               <a:rPr lang="pt-BR" dirty="0" smtClean="0"/>
               <a:t>28</a:t>
             </a:r>
-          </a:p>
-          <a:p>
+            <a:endParaRPr lang="pt-BR" dirty="0" smtClean="0"/>
+          </a:p>
+          <a:p>
+            <a:pPr>
+              <a:lnSpc>
+                <a:spcPct val="150000"/>
+              </a:lnSpc>
+            </a:pPr>
             <a:endParaRPr lang="pt-BR" b="1" dirty="0" smtClean="0"/>
           </a:p>
           <a:p>
+            <a:pPr>
+              <a:lnSpc>
+                <a:spcPct val="150000"/>
+              </a:lnSpc>
+            </a:pPr>
             <a:r>
               <a:rPr lang="pt-BR" b="1" dirty="0" smtClean="0"/>
-              <a:t>Casos </a:t>
+              <a:t>Casos de testes executados: </a:t>
             </a:r>
             <a:r>
               <a:rPr lang="pt-BR" b="1" dirty="0" smtClean="0"/>
-              <a:t>de testes executados: </a:t>
+              <a:t>	</a:t>
             </a:r>
             <a:r>
               <a:rPr lang="pt-BR" dirty="0" smtClean="0"/>
-              <a:t>28 – 100%</a:t>
-            </a:r>
+              <a:t>28 </a:t>
+            </a:r>
+            <a:r>
+              <a:rPr lang="pt-BR" dirty="0" smtClean="0"/>
+              <a:t>– 100%</a:t>
+            </a:r>
+          </a:p>
+          <a:p>
+            <a:pPr>
+              <a:lnSpc>
+                <a:spcPct val="150000"/>
+              </a:lnSpc>
+            </a:pPr>
+            <a:endParaRPr lang="pt-BR" b="1" dirty="0" smtClean="0"/>
+          </a:p>
+          <a:p>
+            <a:pPr>
+              <a:lnSpc>
+                <a:spcPct val="150000"/>
+              </a:lnSpc>
+            </a:pPr>
+            <a:r>
+              <a:rPr lang="pt-BR" b="1" dirty="0" smtClean="0"/>
+              <a:t>Aprovados: </a:t>
+            </a:r>
+            <a:r>
+              <a:rPr lang="pt-BR" b="1" dirty="0" smtClean="0"/>
+              <a:t>	</a:t>
+            </a:r>
+            <a:r>
+              <a:rPr lang="pt-BR" dirty="0" smtClean="0"/>
+              <a:t>20 </a:t>
+            </a:r>
+            <a:r>
+              <a:rPr lang="pt-BR" dirty="0" smtClean="0"/>
+              <a:t>– 72%</a:t>
+            </a:r>
+          </a:p>
+          <a:p>
+            <a:pPr>
+              <a:lnSpc>
+                <a:spcPct val="150000"/>
+              </a:lnSpc>
+            </a:pPr>
+            <a:r>
+              <a:rPr lang="pt-BR" b="1" dirty="0" smtClean="0"/>
+              <a:t>Reprovados: </a:t>
+            </a:r>
+            <a:r>
+              <a:rPr lang="pt-BR" b="1" dirty="0" smtClean="0"/>
+              <a:t>	</a:t>
+            </a:r>
+            <a:r>
+              <a:rPr lang="pt-BR" dirty="0" smtClean="0"/>
+              <a:t>07 </a:t>
+            </a:r>
+            <a:r>
+              <a:rPr lang="pt-BR" dirty="0" smtClean="0"/>
+              <a:t>– 25,2%</a:t>
+            </a:r>
+          </a:p>
+          <a:p>
+            <a:pPr>
+              <a:lnSpc>
+                <a:spcPct val="150000"/>
+              </a:lnSpc>
+            </a:pPr>
+            <a:r>
+              <a:rPr lang="pt-BR" b="1" dirty="0" smtClean="0"/>
+              <a:t>Melhorias: </a:t>
+            </a:r>
+            <a:r>
+              <a:rPr lang="pt-BR" b="1" dirty="0" smtClean="0"/>
+              <a:t>	</a:t>
+            </a:r>
+            <a:r>
+              <a:rPr lang="pt-BR" dirty="0" smtClean="0"/>
+              <a:t>01 </a:t>
+            </a:r>
+            <a:r>
+              <a:rPr lang="pt-BR" dirty="0" smtClean="0"/>
+              <a:t>– 3,8% </a:t>
+            </a:r>
+          </a:p>
+          <a:p>
+            <a:pPr>
+              <a:lnSpc>
+                <a:spcPct val="150000"/>
+              </a:lnSpc>
+            </a:pPr>
             <a:endParaRPr lang="pt-BR" dirty="0" smtClean="0"/>
           </a:p>
           <a:p>
-            <a:endParaRPr lang="pt-BR" b="1" dirty="0" smtClean="0"/>
-          </a:p>
-          <a:p>
-            <a:r>
-              <a:rPr lang="pt-BR" b="1" dirty="0" smtClean="0"/>
-              <a:t>Aprovados</a:t>
-            </a:r>
-            <a:r>
-              <a:rPr lang="pt-BR" b="1" dirty="0" smtClean="0"/>
-              <a:t>: </a:t>
-            </a:r>
-            <a:r>
-              <a:rPr lang="pt-BR" dirty="0" smtClean="0"/>
-              <a:t>20 – 72%</a:t>
-            </a:r>
-            <a:endParaRPr lang="pt-BR" dirty="0" smtClean="0"/>
-          </a:p>
-          <a:p>
-            <a:r>
-              <a:rPr lang="pt-BR" b="1" dirty="0" smtClean="0"/>
-              <a:t>Reprovados</a:t>
-            </a:r>
-            <a:r>
-              <a:rPr lang="pt-BR" b="1" dirty="0" smtClean="0"/>
-              <a:t>: </a:t>
-            </a:r>
-            <a:r>
-              <a:rPr lang="pt-BR" dirty="0" smtClean="0"/>
-              <a:t>7 – 25,2%</a:t>
-            </a:r>
-            <a:endParaRPr lang="pt-BR" dirty="0" smtClean="0"/>
-          </a:p>
-          <a:p>
-            <a:r>
-              <a:rPr lang="pt-BR" b="1" dirty="0" smtClean="0"/>
-              <a:t>Melhorias</a:t>
-            </a:r>
-            <a:r>
-              <a:rPr lang="pt-BR" b="1" dirty="0" smtClean="0"/>
-              <a:t>: </a:t>
-            </a:r>
-            <a:r>
-              <a:rPr lang="pt-BR" dirty="0" smtClean="0"/>
-              <a:t>1 – 3,8% </a:t>
-            </a:r>
-            <a:endParaRPr lang="pt-BR" dirty="0" smtClean="0"/>
-          </a:p>
-          <a:p>
-            <a:endParaRPr lang="pt-BR" dirty="0" smtClean="0"/>
-          </a:p>
-          <a:p>
+            <a:pPr>
+              <a:lnSpc>
+                <a:spcPct val="150000"/>
+              </a:lnSpc>
+            </a:pPr>
             <a:endParaRPr lang="pt-BR" dirty="0"/>
           </a:p>
         </p:txBody>
       </p:sp>
+      <p:graphicFrame>
+        <p:nvGraphicFramePr>
+          <p:cNvPr id="3" name="Chart 2"/>
+          <p:cNvGraphicFramePr/>
+          <p:nvPr>
+            <p:extLst>
+              <p:ext uri="{D42A27DB-BD31-4B8C-83A1-F6EECF244321}">
+                <p14:modId xmlns:p14="http://schemas.microsoft.com/office/powerpoint/2010/main" val="2014660952"/>
+              </p:ext>
+            </p:extLst>
+          </p:nvPr>
+        </p:nvGraphicFramePr>
+        <p:xfrm>
+          <a:off x="3995936" y="3284984"/>
+          <a:ext cx="4559644" cy="2946838"/>
+        </p:xfrm>
+        <a:graphic>
+          <a:graphicData uri="http://schemas.openxmlformats.org/drawingml/2006/chart">
+            <c:chart xmlns:c="http://schemas.openxmlformats.org/drawingml/2006/chart" xmlns:r="http://schemas.openxmlformats.org/officeDocument/2006/relationships" r:id="rId3"/>
+          </a:graphicData>
+        </a:graphic>
+      </p:graphicFrame>
     </p:spTree>
   </p:cSld>
   <p:clrMapOvr>
@@ -4061,8 +5693,8 @@
         </p:nvSpPr>
         <p:spPr>
           <a:xfrm>
-            <a:off x="1142976" y="1857364"/>
-            <a:ext cx="6929486" cy="2031325"/>
+            <a:off x="1003499" y="1777916"/>
+            <a:ext cx="6929486" cy="2957861"/>
           </a:xfrm>
           <a:prstGeom prst="rect">
             <a:avLst/>
@@ -4075,67 +5707,157 @@
           </a:bodyPr>
           <a:lstStyle/>
           <a:p>
+            <a:pPr>
+              <a:lnSpc>
+                <a:spcPct val="150000"/>
+              </a:lnSpc>
+            </a:pPr>
             <a:r>
               <a:rPr lang="pt-BR" b="1" dirty="0" smtClean="0"/>
               <a:t>Casos de testes projetados: </a:t>
             </a:r>
             <a:r>
+              <a:rPr lang="pt-BR" b="1" dirty="0" smtClean="0"/>
+              <a:t>	</a:t>
+            </a:r>
+            <a:r>
               <a:rPr lang="pt-BR" dirty="0" smtClean="0"/>
               <a:t>14</a:t>
             </a:r>
-          </a:p>
-          <a:p>
             <a:endParaRPr lang="pt-BR" dirty="0" smtClean="0"/>
           </a:p>
           <a:p>
+            <a:pPr>
+              <a:lnSpc>
+                <a:spcPct val="150000"/>
+              </a:lnSpc>
+            </a:pPr>
+            <a:endParaRPr lang="pt-BR" dirty="0" smtClean="0"/>
+          </a:p>
+          <a:p>
+            <a:pPr>
+              <a:lnSpc>
+                <a:spcPct val="150000"/>
+              </a:lnSpc>
+            </a:pPr>
             <a:r>
               <a:rPr lang="pt-BR" b="1" dirty="0" smtClean="0"/>
               <a:t>Casos de testes executados: </a:t>
             </a:r>
             <a:r>
+              <a:rPr lang="pt-BR" b="1" dirty="0" smtClean="0"/>
+              <a:t>	</a:t>
+            </a:r>
+            <a:r>
               <a:rPr lang="pt-BR" dirty="0" smtClean="0"/>
-              <a:t>14 – 100%</a:t>
-            </a:r>
+              <a:t>14 </a:t>
+            </a:r>
+            <a:r>
+              <a:rPr lang="pt-BR" dirty="0" smtClean="0"/>
+              <a:t>– 100%</a:t>
+            </a:r>
+          </a:p>
+          <a:p>
+            <a:pPr>
+              <a:lnSpc>
+                <a:spcPct val="150000"/>
+              </a:lnSpc>
+            </a:pPr>
             <a:endParaRPr lang="pt-BR" dirty="0" smtClean="0"/>
           </a:p>
           <a:p>
-            <a:endParaRPr lang="pt-BR" dirty="0" smtClean="0"/>
-          </a:p>
-          <a:p>
+            <a:pPr>
+              <a:lnSpc>
+                <a:spcPct val="150000"/>
+              </a:lnSpc>
+            </a:pPr>
             <a:r>
               <a:rPr lang="pt-BR" b="1" dirty="0" smtClean="0"/>
               <a:t>Aprovados: </a:t>
             </a:r>
             <a:r>
+              <a:rPr lang="pt-BR" b="1" dirty="0" smtClean="0"/>
+              <a:t>	</a:t>
+            </a:r>
+            <a:r>
               <a:rPr lang="pt-BR" dirty="0" smtClean="0"/>
-              <a:t>5 – 35,75%</a:t>
-            </a:r>
-            <a:endParaRPr lang="pt-BR" dirty="0" smtClean="0"/>
-          </a:p>
-          <a:p>
+              <a:t>05 </a:t>
+            </a:r>
+            <a:r>
+              <a:rPr lang="pt-BR" dirty="0" smtClean="0"/>
+              <a:t>– 35,75%</a:t>
+            </a:r>
+          </a:p>
+          <a:p>
+            <a:pPr>
+              <a:lnSpc>
+                <a:spcPct val="150000"/>
+              </a:lnSpc>
+            </a:pPr>
             <a:r>
               <a:rPr lang="pt-BR" b="1" dirty="0" smtClean="0"/>
               <a:t>Reprovados: </a:t>
             </a:r>
             <a:r>
+              <a:rPr lang="pt-BR" b="1" dirty="0" smtClean="0"/>
+              <a:t>	</a:t>
+            </a:r>
+            <a:r>
               <a:rPr lang="pt-BR" dirty="0" smtClean="0"/>
-              <a:t>3 – 21,45%</a:t>
-            </a:r>
-            <a:endParaRPr lang="pt-BR" dirty="0" smtClean="0"/>
-          </a:p>
-          <a:p>
+              <a:t>03 </a:t>
+            </a:r>
+            <a:r>
+              <a:rPr lang="pt-BR" dirty="0" smtClean="0"/>
+              <a:t>– 21,45%</a:t>
+            </a:r>
+          </a:p>
+          <a:p>
+            <a:pPr>
+              <a:lnSpc>
+                <a:spcPct val="150000"/>
+              </a:lnSpc>
+            </a:pPr>
             <a:r>
               <a:rPr lang="pt-BR" b="1" dirty="0" smtClean="0"/>
               <a:t>Melhorias: </a:t>
             </a:r>
             <a:r>
+              <a:rPr lang="pt-BR" b="1" dirty="0" smtClean="0"/>
+              <a:t>	</a:t>
+            </a:r>
+            <a:r>
               <a:rPr lang="pt-BR" dirty="0" smtClean="0"/>
-              <a:t>6 – 42,8%</a:t>
-            </a:r>
-            <a:endParaRPr lang="pt-BR" dirty="0" smtClean="0"/>
-          </a:p>
-        </p:txBody>
-      </p:sp>
+              <a:t>06 </a:t>
+            </a:r>
+            <a:r>
+              <a:rPr lang="pt-BR" dirty="0" smtClean="0"/>
+              <a:t>– 42,8%</a:t>
+            </a:r>
+          </a:p>
+        </p:txBody>
+      </p:sp>
+      <p:graphicFrame>
+        <p:nvGraphicFramePr>
+          <p:cNvPr id="6" name="Chart 5"/>
+          <p:cNvGraphicFramePr/>
+          <p:nvPr>
+            <p:extLst>
+              <p:ext uri="{D42A27DB-BD31-4B8C-83A1-F6EECF244321}">
+                <p14:modId xmlns:p14="http://schemas.microsoft.com/office/powerpoint/2010/main" val="2606683239"/>
+              </p:ext>
+            </p:extLst>
+          </p:nvPr>
+        </p:nvGraphicFramePr>
+        <p:xfrm>
+          <a:off x="3995936" y="3284984"/>
+          <a:ext cx="4559644" cy="2946838"/>
+        </p:xfrm>
+        <a:graphic>
+          <a:graphicData uri="http://schemas.openxmlformats.org/drawingml/2006/chart">
+            <c:chart xmlns:c="http://schemas.openxmlformats.org/drawingml/2006/chart" xmlns:r="http://schemas.openxmlformats.org/officeDocument/2006/relationships" r:id="rId3"/>
+          </a:graphicData>
+        </a:graphic>
+      </p:graphicFrame>
     </p:spTree>
   </p:cSld>
   <p:clrMapOvr>
@@ -4238,8 +5960,8 @@
         </p:nvSpPr>
         <p:spPr>
           <a:xfrm>
-            <a:off x="1142976" y="1857364"/>
-            <a:ext cx="6929486" cy="2031325"/>
+            <a:off x="1003499" y="1783449"/>
+            <a:ext cx="6929486" cy="3000821"/>
           </a:xfrm>
           <a:prstGeom prst="rect">
             <a:avLst/>
@@ -4252,67 +5974,142 @@
           </a:bodyPr>
           <a:lstStyle/>
           <a:p>
+            <a:pPr>
+              <a:lnSpc>
+                <a:spcPct val="150000"/>
+              </a:lnSpc>
+            </a:pPr>
             <a:r>
               <a:rPr lang="pt-BR" b="1" dirty="0" smtClean="0"/>
               <a:t>Casos de testes projetados: </a:t>
             </a:r>
             <a:r>
-              <a:rPr lang="pt-BR" dirty="0"/>
-              <a:t>2</a:t>
+              <a:rPr lang="pt-BR" b="1" dirty="0" smtClean="0"/>
+              <a:t>	</a:t>
+            </a:r>
+            <a:r>
+              <a:rPr lang="pt-BR" dirty="0" smtClean="0"/>
+              <a:t>02</a:t>
             </a:r>
             <a:endParaRPr lang="pt-BR" dirty="0" smtClean="0"/>
           </a:p>
           <a:p>
+            <a:pPr>
+              <a:lnSpc>
+                <a:spcPct val="150000"/>
+              </a:lnSpc>
+            </a:pPr>
             <a:endParaRPr lang="pt-BR" dirty="0" smtClean="0"/>
           </a:p>
           <a:p>
+            <a:pPr>
+              <a:lnSpc>
+                <a:spcPct val="150000"/>
+              </a:lnSpc>
+            </a:pPr>
             <a:r>
               <a:rPr lang="pt-BR" b="1" dirty="0" smtClean="0"/>
               <a:t>Casos de testes executados: </a:t>
             </a:r>
             <a:r>
+              <a:rPr lang="pt-BR" b="1" dirty="0" smtClean="0"/>
+              <a:t>	</a:t>
+            </a:r>
+            <a:r>
               <a:rPr lang="pt-BR" dirty="0" smtClean="0"/>
-              <a:t>2 – 100%</a:t>
-            </a:r>
+              <a:t>02 </a:t>
+            </a:r>
+            <a:r>
+              <a:rPr lang="pt-BR" dirty="0" smtClean="0"/>
+              <a:t>– 100%</a:t>
+            </a:r>
+          </a:p>
+          <a:p>
+            <a:pPr>
+              <a:lnSpc>
+                <a:spcPct val="150000"/>
+              </a:lnSpc>
+            </a:pPr>
             <a:endParaRPr lang="pt-BR" dirty="0" smtClean="0"/>
           </a:p>
           <a:p>
-            <a:endParaRPr lang="pt-BR" dirty="0" smtClean="0"/>
-          </a:p>
-          <a:p>
+            <a:pPr>
+              <a:lnSpc>
+                <a:spcPct val="150000"/>
+              </a:lnSpc>
+            </a:pPr>
             <a:r>
               <a:rPr lang="pt-BR" b="1" dirty="0" smtClean="0"/>
               <a:t>Aprovados: </a:t>
             </a:r>
             <a:r>
               <a:rPr lang="pt-BR" dirty="0" smtClean="0"/>
-              <a:t>1 – 50%</a:t>
-            </a:r>
-            <a:endParaRPr lang="pt-BR" dirty="0" smtClean="0"/>
-          </a:p>
-          <a:p>
+              <a:t> 	01 </a:t>
+            </a:r>
+            <a:r>
+              <a:rPr lang="pt-BR" dirty="0" smtClean="0"/>
+              <a:t>– 50%</a:t>
+            </a:r>
+          </a:p>
+          <a:p>
+            <a:pPr>
+              <a:lnSpc>
+                <a:spcPct val="150000"/>
+              </a:lnSpc>
+            </a:pPr>
             <a:r>
               <a:rPr lang="pt-BR" b="1" dirty="0" smtClean="0"/>
               <a:t>Reprovados: </a:t>
             </a:r>
             <a:r>
               <a:rPr lang="pt-BR" dirty="0" smtClean="0"/>
-              <a:t>0</a:t>
-            </a:r>
-          </a:p>
-          <a:p>
+              <a:t> 	00 – 0%</a:t>
+            </a:r>
+            <a:endParaRPr lang="pt-BR" dirty="0" smtClean="0"/>
+          </a:p>
+          <a:p>
+            <a:pPr>
+              <a:lnSpc>
+                <a:spcPct val="150000"/>
+              </a:lnSpc>
+            </a:pPr>
             <a:r>
               <a:rPr lang="pt-BR" b="1" dirty="0" smtClean="0"/>
               <a:t>Melhorias: </a:t>
             </a:r>
             <a:r>
               <a:rPr lang="pt-BR" dirty="0" smtClean="0"/>
-              <a:t>1 – 50%</a:t>
-            </a:r>
-            <a:endParaRPr lang="pt-BR" dirty="0" smtClean="0"/>
-          </a:p>
-        </p:txBody>
-      </p:sp>
+              <a:t> 	01 </a:t>
+            </a:r>
+            <a:r>
+              <a:rPr lang="pt-BR" dirty="0" smtClean="0"/>
+              <a:t>– 50%</a:t>
+            </a:r>
+          </a:p>
+        </p:txBody>
+      </p:sp>
+      <p:graphicFrame>
+        <p:nvGraphicFramePr>
+          <p:cNvPr id="6" name="Chart 5"/>
+          <p:cNvGraphicFramePr/>
+          <p:nvPr>
+            <p:extLst>
+              <p:ext uri="{D42A27DB-BD31-4B8C-83A1-F6EECF244321}">
+                <p14:modId xmlns:p14="http://schemas.microsoft.com/office/powerpoint/2010/main" val="3845527875"/>
+              </p:ext>
+            </p:extLst>
+          </p:nvPr>
+        </p:nvGraphicFramePr>
+        <p:xfrm>
+          <a:off x="3995936" y="3284984"/>
+          <a:ext cx="4559644" cy="2946838"/>
+        </p:xfrm>
+        <a:graphic>
+          <a:graphicData uri="http://schemas.openxmlformats.org/drawingml/2006/chart">
+            <c:chart xmlns:c="http://schemas.openxmlformats.org/drawingml/2006/chart" xmlns:r="http://schemas.openxmlformats.org/officeDocument/2006/relationships" r:id="rId3"/>
+          </a:graphicData>
+        </a:graphic>
+      </p:graphicFrame>
     </p:spTree>
   </p:cSld>
   <p:clrMapOvr>
@@ -4415,8 +6212,8 @@
         </p:nvSpPr>
         <p:spPr>
           <a:xfrm>
-            <a:off x="1142976" y="1857364"/>
-            <a:ext cx="6929486" cy="2031325"/>
+            <a:off x="1003499" y="1783449"/>
+            <a:ext cx="6929486" cy="3000821"/>
           </a:xfrm>
           <a:prstGeom prst="rect">
             <a:avLst/>
@@ -4429,67 +6226,144 @@
           </a:bodyPr>
           <a:lstStyle/>
           <a:p>
+            <a:pPr>
+              <a:lnSpc>
+                <a:spcPct val="150000"/>
+              </a:lnSpc>
+            </a:pPr>
             <a:r>
               <a:rPr lang="pt-BR" b="1" dirty="0" smtClean="0"/>
               <a:t>Casos de testes projetados: </a:t>
             </a:r>
             <a:r>
-              <a:rPr lang="pt-BR" dirty="0"/>
-              <a:t>3</a:t>
+              <a:rPr lang="pt-BR" b="1" dirty="0" smtClean="0"/>
+              <a:t>	</a:t>
+            </a:r>
+            <a:r>
+              <a:rPr lang="pt-BR" dirty="0" smtClean="0"/>
+              <a:t>03</a:t>
             </a:r>
             <a:endParaRPr lang="pt-BR" dirty="0" smtClean="0"/>
           </a:p>
           <a:p>
+            <a:pPr>
+              <a:lnSpc>
+                <a:spcPct val="150000"/>
+              </a:lnSpc>
+            </a:pPr>
             <a:endParaRPr lang="pt-BR" dirty="0" smtClean="0"/>
           </a:p>
           <a:p>
+            <a:pPr>
+              <a:lnSpc>
+                <a:spcPct val="150000"/>
+              </a:lnSpc>
+            </a:pPr>
             <a:r>
               <a:rPr lang="pt-BR" b="1" dirty="0" smtClean="0"/>
               <a:t>Casos de testes executados: </a:t>
             </a:r>
             <a:r>
+              <a:rPr lang="pt-BR" b="1" dirty="0" smtClean="0"/>
+              <a:t>	</a:t>
+            </a:r>
+            <a:r>
               <a:rPr lang="pt-BR" dirty="0" smtClean="0"/>
-              <a:t>3 – 100%</a:t>
-            </a:r>
-          </a:p>
-          <a:p>
+              <a:t>03 </a:t>
+            </a:r>
+            <a:r>
+              <a:rPr lang="pt-BR" dirty="0" smtClean="0"/>
+              <a:t>– 100%</a:t>
+            </a:r>
+          </a:p>
+          <a:p>
+            <a:pPr>
+              <a:lnSpc>
+                <a:spcPct val="150000"/>
+              </a:lnSpc>
+            </a:pPr>
             <a:endParaRPr lang="pt-BR" dirty="0" smtClean="0"/>
           </a:p>
           <a:p>
+            <a:pPr>
+              <a:lnSpc>
+                <a:spcPct val="150000"/>
+              </a:lnSpc>
+            </a:pPr>
             <a:r>
               <a:rPr lang="pt-BR" b="1" dirty="0" smtClean="0"/>
               <a:t>Aprovados: </a:t>
             </a:r>
             <a:r>
               <a:rPr lang="pt-BR" dirty="0" smtClean="0"/>
-              <a:t>1  - 33,3%</a:t>
+              <a:t> 	01 – 33,3%</a:t>
             </a:r>
             <a:endParaRPr lang="pt-BR" dirty="0" smtClean="0"/>
           </a:p>
           <a:p>
+            <a:pPr>
+              <a:lnSpc>
+                <a:spcPct val="150000"/>
+              </a:lnSpc>
+            </a:pPr>
             <a:r>
               <a:rPr lang="pt-BR" b="1" dirty="0" smtClean="0"/>
               <a:t>Reprovados: </a:t>
             </a:r>
             <a:r>
+              <a:rPr lang="pt-BR" b="1" dirty="0" smtClean="0"/>
+              <a:t>	</a:t>
+            </a:r>
+            <a:r>
               <a:rPr lang="pt-BR" dirty="0" smtClean="0"/>
-              <a:t>0 - </a:t>
+              <a:t>00 – 0%</a:t>
             </a:r>
             <a:endParaRPr lang="pt-BR" dirty="0" smtClean="0"/>
           </a:p>
           <a:p>
+            <a:pPr>
+              <a:lnSpc>
+                <a:spcPct val="150000"/>
+              </a:lnSpc>
+            </a:pPr>
             <a:r>
               <a:rPr lang="pt-BR" b="1" dirty="0" smtClean="0"/>
               <a:t>Melhorias: </a:t>
             </a:r>
             <a:r>
+              <a:rPr lang="pt-BR" b="1" dirty="0" smtClean="0"/>
+              <a:t>	</a:t>
+            </a:r>
+            <a:r>
               <a:rPr lang="pt-BR" dirty="0" smtClean="0"/>
-              <a:t>2 - 66,7%</a:t>
+              <a:t>02 – 66,7%</a:t>
             </a:r>
             <a:endParaRPr lang="pt-BR" dirty="0" smtClean="0"/>
           </a:p>
         </p:txBody>
       </p:sp>
+      <p:graphicFrame>
+        <p:nvGraphicFramePr>
+          <p:cNvPr id="6" name="Chart 5"/>
+          <p:cNvGraphicFramePr/>
+          <p:nvPr>
+            <p:extLst>
+              <p:ext uri="{D42A27DB-BD31-4B8C-83A1-F6EECF244321}">
+                <p14:modId xmlns:p14="http://schemas.microsoft.com/office/powerpoint/2010/main" val="3810228107"/>
+              </p:ext>
+            </p:extLst>
+          </p:nvPr>
+        </p:nvGraphicFramePr>
+        <p:xfrm>
+          <a:off x="3995936" y="3284984"/>
+          <a:ext cx="4559644" cy="2946838"/>
+        </p:xfrm>
+        <a:graphic>
+          <a:graphicData uri="http://schemas.openxmlformats.org/drawingml/2006/chart">
+            <c:chart xmlns:c="http://schemas.openxmlformats.org/drawingml/2006/chart" xmlns:r="http://schemas.openxmlformats.org/officeDocument/2006/relationships" r:id="rId3"/>
+          </a:graphicData>
+        </a:graphic>
+      </p:graphicFrame>
     </p:spTree>
   </p:cSld>
   <p:clrMapOvr>
@@ -4569,14 +6443,14 @@
           <a:p>
             <a:pPr algn="l"/>
             <a:r>
-              <a:rPr lang="pt-BR" sz="2300" dirty="0" smtClean="0">
+              <a:rPr lang="pt-BR" sz="2800" dirty="0" smtClean="0">
                 <a:solidFill>
                   <a:schemeClr val="bg1"/>
                 </a:solidFill>
               </a:rPr>
-              <a:t>Ambiente de teste</a:t>
-            </a:r>
-            <a:endParaRPr lang="pt-BR" sz="2300" dirty="0">
+              <a:t>Visão Geral dos Resultados</a:t>
+            </a:r>
+            <a:endParaRPr lang="pt-BR" sz="2800" dirty="0">
               <a:solidFill>
                 <a:schemeClr val="bg1"/>
               </a:solidFill>
@@ -4592,8 +6466,8 @@
         </p:nvSpPr>
         <p:spPr>
           <a:xfrm>
-            <a:off x="1142976" y="1857364"/>
-            <a:ext cx="6929486" cy="4247317"/>
+            <a:off x="1003499" y="1783449"/>
+            <a:ext cx="6929486" cy="3000821"/>
           </a:xfrm>
           <a:prstGeom prst="rect">
             <a:avLst/>
@@ -4606,110 +6480,148 @@
           </a:bodyPr>
           <a:lstStyle/>
           <a:p>
-            <a:pPr marL="342900" indent="-342900">
-              <a:buFont typeface="Arial" panose="020B0604020202020204" pitchFamily="34" charset="0"/>
-              <a:buChar char="•"/>
+            <a:pPr>
+              <a:lnSpc>
+                <a:spcPct val="150000"/>
+              </a:lnSpc>
             </a:pPr>
             <a:r>
+              <a:rPr lang="pt-BR" b="1" dirty="0" smtClean="0"/>
+              <a:t>Casos de testes </a:t>
+            </a:r>
+            <a:r>
+              <a:rPr lang="pt-BR" b="1" dirty="0" smtClean="0"/>
+              <a:t>projetados no total: 	</a:t>
+            </a:r>
+            <a:r>
               <a:rPr lang="pt-BR" dirty="0" smtClean="0"/>
-              <a:t>Foram utilizadas as seguintes ferramentas:</a:t>
-            </a:r>
-          </a:p>
-          <a:p>
-            <a:pPr marL="800100" lvl="1" indent="-342900">
-              <a:buFont typeface="+mj-lt"/>
-              <a:buAutoNum type="arabicPeriod"/>
+              <a:t>47</a:t>
+            </a:r>
+            <a:endParaRPr lang="pt-BR" dirty="0" smtClean="0"/>
+          </a:p>
+          <a:p>
+            <a:pPr>
+              <a:lnSpc>
+                <a:spcPct val="150000"/>
+              </a:lnSpc>
             </a:pPr>
+            <a:endParaRPr lang="pt-BR" dirty="0" smtClean="0"/>
+          </a:p>
+          <a:p>
+            <a:pPr>
+              <a:lnSpc>
+                <a:spcPct val="150000"/>
+              </a:lnSpc>
+            </a:pPr>
+            <a:r>
+              <a:rPr lang="pt-BR" b="1" dirty="0" smtClean="0"/>
+              <a:t>Casos de testes </a:t>
+            </a:r>
+            <a:r>
+              <a:rPr lang="pt-BR" b="1" dirty="0" smtClean="0"/>
+              <a:t>executados no total: 	</a:t>
+            </a:r>
             <a:r>
               <a:rPr lang="pt-BR" dirty="0" smtClean="0"/>
-              <a:t>Microsoft Word, Excel e PowerPoint 2013, para elaboração de plano, projeto</a:t>
-            </a:r>
-            <a:r>
-              <a:rPr lang="pt-BR" dirty="0"/>
-              <a:t> </a:t>
+              <a:t>47 </a:t>
             </a:r>
             <a:r>
               <a:rPr lang="pt-BR" dirty="0" smtClean="0"/>
-              <a:t>e avaliação dos testes, além de outros documentos, como o de solicitação de mudanças;</a:t>
-            </a:r>
-          </a:p>
-          <a:p>
-            <a:pPr marL="800100" lvl="1" indent="-342900">
-              <a:buFont typeface="+mj-lt"/>
-              <a:buAutoNum type="arabicPeriod"/>
+              <a:t>– 100%</a:t>
+            </a:r>
+          </a:p>
+          <a:p>
+            <a:pPr>
+              <a:lnSpc>
+                <a:spcPct val="150000"/>
+              </a:lnSpc>
             </a:pPr>
-            <a:r>
-              <a:rPr lang="pt-BR" dirty="0" err="1" smtClean="0"/>
-              <a:t>GitHub</a:t>
+            <a:endParaRPr lang="pt-BR" dirty="0" smtClean="0"/>
+          </a:p>
+          <a:p>
+            <a:pPr>
+              <a:lnSpc>
+                <a:spcPct val="150000"/>
+              </a:lnSpc>
+            </a:pPr>
+            <a:r>
+              <a:rPr lang="pt-BR" b="1" dirty="0" smtClean="0"/>
+              <a:t>Aprovados: </a:t>
             </a:r>
             <a:r>
               <a:rPr lang="pt-BR" dirty="0" smtClean="0"/>
-              <a:t> na sua versão para desktop , para o gerenciamento de configuração dos documentos utilizados.</a:t>
-            </a:r>
-            <a:endParaRPr lang="pt-BR" dirty="0"/>
-          </a:p>
-          <a:p>
-            <a:endParaRPr lang="pt-BR" dirty="0"/>
-          </a:p>
-          <a:p>
-            <a:pPr marL="342900" indent="-342900">
-              <a:buFont typeface="Arial" panose="020B0604020202020204" pitchFamily="34" charset="0"/>
-              <a:buChar char="•"/>
+              <a:t> 	27 – 57,44%</a:t>
+            </a:r>
+            <a:endParaRPr lang="pt-BR" dirty="0" smtClean="0"/>
+          </a:p>
+          <a:p>
+            <a:pPr>
+              <a:lnSpc>
+                <a:spcPct val="150000"/>
+              </a:lnSpc>
             </a:pPr>
             <a:r>
+              <a:rPr lang="pt-BR" b="1" dirty="0" smtClean="0"/>
+              <a:t>Reprovados: 	</a:t>
+            </a:r>
+            <a:r>
               <a:rPr lang="pt-BR" dirty="0" smtClean="0"/>
-              <a:t>Foram necessários os seguintes componentes:</a:t>
-            </a:r>
-          </a:p>
-          <a:p>
-            <a:pPr marL="800100" lvl="1" indent="-342900">
-              <a:buFont typeface="+mj-lt"/>
-              <a:buAutoNum type="arabicPeriod"/>
+              <a:t>10 – 21,28</a:t>
+            </a:r>
+            <a:r>
+              <a:rPr lang="pt-BR" dirty="0" smtClean="0"/>
+              <a:t>%</a:t>
+            </a:r>
+            <a:endParaRPr lang="pt-BR" dirty="0" smtClean="0"/>
+          </a:p>
+          <a:p>
+            <a:pPr>
+              <a:lnSpc>
+                <a:spcPct val="150000"/>
+              </a:lnSpc>
             </a:pPr>
             <a:r>
+              <a:rPr lang="pt-BR" b="1" dirty="0" smtClean="0"/>
+              <a:t>Melhorias: 	</a:t>
+            </a:r>
+            <a:r>
               <a:rPr lang="pt-BR" dirty="0" smtClean="0"/>
-              <a:t>Notebook com Windows 8 instalado, java 8;</a:t>
-            </a:r>
-          </a:p>
-          <a:p>
-            <a:pPr marL="800100" lvl="1" indent="-342900">
-              <a:buFont typeface="+mj-lt"/>
-              <a:buAutoNum type="arabicPeriod"/>
-            </a:pPr>
+              <a:t>10</a:t>
+            </a:r>
             <a:r>
               <a:rPr lang="pt-BR" dirty="0" smtClean="0"/>
-              <a:t>Desktop com Windows 7 instalado, java 8;</a:t>
-            </a:r>
-          </a:p>
-          <a:p>
-            <a:pPr lvl="1"/>
+              <a:t> – 21,28%</a:t>
+            </a:r>
             <a:endParaRPr lang="pt-BR" dirty="0" smtClean="0"/>
           </a:p>
-          <a:p>
-            <a:pPr marL="285750" indent="-285750">
-              <a:buFont typeface="Arial" panose="020B0604020202020204" pitchFamily="34" charset="0"/>
-              <a:buChar char="•"/>
-            </a:pPr>
-            <a:r>
-              <a:rPr lang="pt-BR" dirty="0" smtClean="0"/>
-              <a:t>Todas as ferramentas atenderam as expectativas para as atividades que foram solicitadas.</a:t>
-            </a:r>
-            <a:endParaRPr lang="pt-BR" dirty="0"/>
-          </a:p>
-          <a:p>
-            <a:pPr lvl="1"/>
-            <a:endParaRPr lang="pt-BR" dirty="0" smtClean="0"/>
-          </a:p>
-          <a:p>
-            <a:pPr lvl="1"/>
-            <a:endParaRPr lang="pt-BR" dirty="0" smtClean="0"/>
-          </a:p>
-        </p:txBody>
-      </p:sp>
+        </p:txBody>
+      </p:sp>
+      <p:graphicFrame>
+        <p:nvGraphicFramePr>
+          <p:cNvPr id="6" name="Chart 5"/>
+          <p:cNvGraphicFramePr/>
+          <p:nvPr>
+            <p:extLst>
+              <p:ext uri="{D42A27DB-BD31-4B8C-83A1-F6EECF244321}">
+                <p14:modId xmlns:p14="http://schemas.microsoft.com/office/powerpoint/2010/main" val="2599408037"/>
+              </p:ext>
+            </p:extLst>
+          </p:nvPr>
+        </p:nvGraphicFramePr>
+        <p:xfrm>
+          <a:off x="3995936" y="3284984"/>
+          <a:ext cx="4559644" cy="2946838"/>
+        </p:xfrm>
+        <a:graphic>
+          <a:graphicData uri="http://schemas.openxmlformats.org/drawingml/2006/chart">
+            <c:chart xmlns:c="http://schemas.openxmlformats.org/drawingml/2006/chart" xmlns:r="http://schemas.openxmlformats.org/officeDocument/2006/relationships" r:id="rId3"/>
+          </a:graphicData>
+        </a:graphic>
+      </p:graphicFrame>
     </p:spTree>
     <p:extLst>
       <p:ext uri="{BB962C8B-B14F-4D97-AF65-F5344CB8AC3E}">
-        <p14:creationId xmlns:p14="http://schemas.microsoft.com/office/powerpoint/2010/main" xmlns="" val="385561133"/>
+        <p14:creationId xmlns:p14="http://schemas.microsoft.com/office/powerpoint/2010/main" val="3605476000"/>
       </p:ext>
     </p:extLst>
   </p:cSld>
@@ -5007,4 +6919,283 @@
   <a:objectDefaults/>
   <a:extraClrSchemeLst/>
 </a:theme>
+</file>
+
+<file path=ppt/theme/themeOverride1.xml><?xml version="1.0" encoding="utf-8"?>
+<a:themeOverride xmlns:a="http://schemas.openxmlformats.org/drawingml/2006/main">
+  <a:clrScheme name="Escritório">
+    <a:dk1>
+      <a:sysClr val="windowText" lastClr="000000"/>
+    </a:dk1>
+    <a:lt1>
+      <a:sysClr val="window" lastClr="FFFFFF"/>
+    </a:lt1>
+    <a:dk2>
+      <a:srgbClr val="1F497D"/>
+    </a:dk2>
+    <a:lt2>
+      <a:srgbClr val="EEECE1"/>
+    </a:lt2>
+    <a:accent1>
+      <a:srgbClr val="4F81BD"/>
+    </a:accent1>
+    <a:accent2>
+      <a:srgbClr val="C0504D"/>
+    </a:accent2>
+    <a:accent3>
+      <a:srgbClr val="9BBB59"/>
+    </a:accent3>
+    <a:accent4>
+      <a:srgbClr val="8064A2"/>
+    </a:accent4>
+    <a:accent5>
+      <a:srgbClr val="4BACC6"/>
+    </a:accent5>
+    <a:accent6>
+      <a:srgbClr val="F79646"/>
+    </a:accent6>
+    <a:hlink>
+      <a:srgbClr val="0000FF"/>
+    </a:hlink>
+    <a:folHlink>
+      <a:srgbClr val="800080"/>
+    </a:folHlink>
+  </a:clrScheme>
+  <a:fontScheme name="Escritório">
+    <a:majorFont>
+      <a:latin typeface="Calibri"/>
+      <a:ea typeface=""/>
+      <a:cs typeface=""/>
+      <a:font script="Jpan" typeface="ＭＳ Ｐゴシック"/>
+      <a:font script="Hang" typeface="맑은 고딕"/>
+      <a:font script="Hans" typeface="宋体"/>
+      <a:font script="Hant" typeface="新細明體"/>
+      <a:font script="Arab" typeface="Times New Roman"/>
+      <a:font script="Hebr" typeface="Times New Roman"/>
+      <a:font script="Thai" typeface="Angsana New"/>
+      <a:font script="Ethi" typeface="Nyala"/>
+      <a:font script="Beng" typeface="Vrinda"/>
+      <a:font script="Gujr" typeface="Shruti"/>
+      <a:font script="Khmr" typeface="MoolBoran"/>
+      <a:font script="Knda" typeface="Tunga"/>
+      <a:font script="Guru" typeface="Raavi"/>
+      <a:font script="Cans" typeface="Euphemia"/>
+      <a:font script="Cher" typeface="Plantagenet Cherokee"/>
+      <a:font script="Yiii" typeface="Microsoft Yi Baiti"/>
+      <a:font script="Tibt" typeface="Microsoft Himalaya"/>
+      <a:font script="Thaa" typeface="MV Boli"/>
+      <a:font script="Deva" typeface="Mangal"/>
+      <a:font script="Telu" typeface="Gautami"/>
+      <a:font script="Taml" typeface="Latha"/>
+      <a:font script="Syrc" typeface="Estrangelo Edessa"/>
+      <a:font script="Orya" typeface="Kalinga"/>
+      <a:font script="Mlym" typeface="Kartika"/>
+      <a:font script="Laoo" typeface="DokChampa"/>
+      <a:font script="Sinh" typeface="Iskoola Pota"/>
+      <a:font script="Mong" typeface="Mongolian Baiti"/>
+      <a:font script="Viet" typeface="Times New Roman"/>
+      <a:font script="Uigh" typeface="Microsoft Uighur"/>
+    </a:majorFont>
+    <a:minorFont>
+      <a:latin typeface="Calibri"/>
+      <a:ea typeface=""/>
+      <a:cs typeface=""/>
+      <a:font script="Jpan" typeface="ＭＳ Ｐゴシック"/>
+      <a:font script="Hang" typeface="맑은 고딕"/>
+      <a:font script="Hans" typeface="宋体"/>
+      <a:font script="Hant" typeface="新細明體"/>
+      <a:font script="Arab" typeface="Arial"/>
+      <a:font script="Hebr" typeface="Arial"/>
+      <a:font script="Thai" typeface="Cordia New"/>
+      <a:font script="Ethi" typeface="Nyala"/>
+      <a:font script="Beng" typeface="Vrinda"/>
+      <a:font script="Gujr" typeface="Shruti"/>
+      <a:font script="Khmr" typeface="DaunPenh"/>
+      <a:font script="Knda" typeface="Tunga"/>
+      <a:font script="Guru" typeface="Raavi"/>
+      <a:font script="Cans" typeface="Euphemia"/>
+      <a:font script="Cher" typeface="Plantagenet Cherokee"/>
+      <a:font script="Yiii" typeface="Microsoft Yi Baiti"/>
+      <a:font script="Tibt" typeface="Microsoft Himalaya"/>
+      <a:font script="Thaa" typeface="MV Boli"/>
+      <a:font script="Deva" typeface="Mangal"/>
+      <a:font script="Telu" typeface="Gautami"/>
+      <a:font script="Taml" typeface="Latha"/>
+      <a:font script="Syrc" typeface="Estrangelo Edessa"/>
+      <a:font script="Orya" typeface="Kalinga"/>
+      <a:font script="Mlym" typeface="Kartika"/>
+      <a:font script="Laoo" typeface="DokChampa"/>
+      <a:font script="Sinh" typeface="Iskoola Pota"/>
+      <a:font script="Mong" typeface="Mongolian Baiti"/>
+      <a:font script="Viet" typeface="Arial"/>
+      <a:font script="Uigh" typeface="Microsoft Uighur"/>
+    </a:minorFont>
+  </a:fontScheme>
+  <a:fmtScheme name="Escritório">
+    <a:fillStyleLst>
+      <a:solidFill>
+        <a:schemeClr val="phClr"/>
+      </a:solidFill>
+      <a:gradFill rotWithShape="1">
+        <a:gsLst>
+          <a:gs pos="0">
+            <a:schemeClr val="phClr">
+              <a:tint val="50000"/>
+              <a:satMod val="300000"/>
+            </a:schemeClr>
+          </a:gs>
+          <a:gs pos="35000">
+            <a:schemeClr val="phClr">
+              <a:tint val="37000"/>
+              <a:satMod val="300000"/>
+            </a:schemeClr>
+          </a:gs>
+          <a:gs pos="100000">
+            <a:schemeClr val="phClr">
+              <a:tint val="15000"/>
+              <a:satMod val="350000"/>
+            </a:schemeClr>
+          </a:gs>
+        </a:gsLst>
+        <a:lin ang="16200000" scaled="1"/>
+      </a:gradFill>
+      <a:gradFill rotWithShape="1">
+        <a:gsLst>
+          <a:gs pos="0">
+            <a:schemeClr val="phClr">
+              <a:shade val="51000"/>
+              <a:satMod val="130000"/>
+            </a:schemeClr>
+          </a:gs>
+          <a:gs pos="80000">
+            <a:schemeClr val="phClr">
+              <a:shade val="93000"/>
+              <a:satMod val="130000"/>
+            </a:schemeClr>
+          </a:gs>
+          <a:gs pos="100000">
+            <a:schemeClr val="phClr">
+              <a:shade val="94000"/>
+              <a:satMod val="135000"/>
+            </a:schemeClr>
+          </a:gs>
+        </a:gsLst>
+        <a:lin ang="16200000" scaled="0"/>
+      </a:gradFill>
+    </a:fillStyleLst>
+    <a:lnStyleLst>
+      <a:ln w="9525" cap="flat" cmpd="sng" algn="ctr">
+        <a:solidFill>
+          <a:schemeClr val="phClr">
+            <a:shade val="95000"/>
+            <a:satMod val="105000"/>
+          </a:schemeClr>
+        </a:solidFill>
+        <a:prstDash val="solid"/>
+      </a:ln>
+      <a:ln w="25400" cap="flat" cmpd="sng" algn="ctr">
+        <a:solidFill>
+          <a:schemeClr val="phClr"/>
+        </a:solidFill>
+        <a:prstDash val="solid"/>
+      </a:ln>
+      <a:ln w="38100" cap="flat" cmpd="sng" algn="ctr">
+        <a:solidFill>
+          <a:schemeClr val="phClr"/>
+        </a:solidFill>
+        <a:prstDash val="solid"/>
+      </a:ln>
+    </a:lnStyleLst>
+    <a:effectStyleLst>
+      <a:effectStyle>
+        <a:effectLst>
+          <a:outerShdw blurRad="40000" dist="20000" dir="5400000" rotWithShape="0">
+            <a:srgbClr val="000000">
+              <a:alpha val="38000"/>
+            </a:srgbClr>
+          </a:outerShdw>
+        </a:effectLst>
+      </a:effectStyle>
+      <a:effectStyle>
+        <a:effectLst>
+          <a:outerShdw blurRad="40000" dist="23000" dir="5400000" rotWithShape="0">
+            <a:srgbClr val="000000">
+              <a:alpha val="35000"/>
+            </a:srgbClr>
+          </a:outerShdw>
+        </a:effectLst>
+      </a:effectStyle>
+      <a:effectStyle>
+        <a:effectLst>
+          <a:outerShdw blurRad="40000" dist="23000" dir="5400000" rotWithShape="0">
+            <a:srgbClr val="000000">
+              <a:alpha val="35000"/>
+            </a:srgbClr>
+          </a:outerShdw>
+        </a:effectLst>
+        <a:scene3d>
+          <a:camera prst="orthographicFront">
+            <a:rot lat="0" lon="0" rev="0"/>
+          </a:camera>
+          <a:lightRig rig="threePt" dir="t">
+            <a:rot lat="0" lon="0" rev="1200000"/>
+          </a:lightRig>
+        </a:scene3d>
+        <a:sp3d>
+          <a:bevelT w="63500" h="25400"/>
+        </a:sp3d>
+      </a:effectStyle>
+    </a:effectStyleLst>
+    <a:bgFillStyleLst>
+      <a:solidFill>
+        <a:schemeClr val="phClr"/>
+      </a:solidFill>
+      <a:gradFill rotWithShape="1">
+        <a:gsLst>
+          <a:gs pos="0">
+            <a:schemeClr val="phClr">
+              <a:tint val="40000"/>
+              <a:satMod val="350000"/>
+            </a:schemeClr>
+          </a:gs>
+          <a:gs pos="40000">
+            <a:schemeClr val="phClr">
+              <a:tint val="45000"/>
+              <a:shade val="99000"/>
+              <a:satMod val="350000"/>
+            </a:schemeClr>
+          </a:gs>
+          <a:gs pos="100000">
+            <a:schemeClr val="phClr">
+              <a:shade val="20000"/>
+              <a:satMod val="255000"/>
+            </a:schemeClr>
+          </a:gs>
+        </a:gsLst>
+        <a:path path="circle">
+          <a:fillToRect l="50000" t="-80000" r="50000" b="180000"/>
+        </a:path>
+      </a:gradFill>
+      <a:gradFill rotWithShape="1">
+        <a:gsLst>
+          <a:gs pos="0">
+            <a:schemeClr val="phClr">
+              <a:tint val="80000"/>
+              <a:satMod val="300000"/>
+            </a:schemeClr>
+          </a:gs>
+          <a:gs pos="100000">
+            <a:schemeClr val="phClr">
+              <a:shade val="30000"/>
+              <a:satMod val="200000"/>
+            </a:schemeClr>
+          </a:gs>
+        </a:gsLst>
+        <a:path path="circle">
+          <a:fillToRect l="50000" t="50000" r="50000" b="50000"/>
+        </a:path>
+      </a:gradFill>
+    </a:bgFillStyleLst>
+  </a:fmtScheme>
+</a:themeOverride>
 </file>